--- a/C4-SQL-for-Data-Science-Capstone-Project/SportsStats/presentation.pptx
+++ b/C4-SQL-for-Data-Science-Capstone-Project/SportsStats/presentation.pptx
@@ -3,23 +3,25 @@
 <p:presentation xmlns:a="http://schemas.openxmlformats.org/drawingml/2006/main" xmlns:p="http://schemas.openxmlformats.org/presentationml/2006/main" xmlns:r="http://schemas.openxmlformats.org/officeDocument/2006/relationships" xmlns:p14="http://schemas.microsoft.com/office/powerpoint/2010/main" xmlns:p15="http://schemas.microsoft.com/office/powerpoint/2012/main" xmlns:mc="http://schemas.openxmlformats.org/markup-compatibility/2006">
   <p:sldMasterIdLst>
     <p:sldMasterId id="2147483648" r:id="rId2"/>
+    <p:sldMasterId id="2147483661" r:id="rId3"/>
   </p:sldMasterIdLst>
   <p:sldIdLst>
-    <p:sldId id="256" r:id="rId3"/>
-    <p:sldId id="257" r:id="rId4"/>
-    <p:sldId id="258" r:id="rId5"/>
-    <p:sldId id="259" r:id="rId6"/>
-    <p:sldId id="260" r:id="rId7"/>
-    <p:sldId id="261" r:id="rId8"/>
-    <p:sldId id="262" r:id="rId9"/>
-    <p:sldId id="263" r:id="rId10"/>
-    <p:sldId id="264" r:id="rId11"/>
-    <p:sldId id="265" r:id="rId12"/>
-    <p:sldId id="266" r:id="rId13"/>
-    <p:sldId id="267" r:id="rId14"/>
-    <p:sldId id="268" r:id="rId15"/>
-    <p:sldId id="269" r:id="rId16"/>
-    <p:sldId id="270" r:id="rId17"/>
+    <p:sldId id="256" r:id="rId4"/>
+    <p:sldId id="257" r:id="rId5"/>
+    <p:sldId id="258" r:id="rId6"/>
+    <p:sldId id="259" r:id="rId7"/>
+    <p:sldId id="260" r:id="rId8"/>
+    <p:sldId id="261" r:id="rId9"/>
+    <p:sldId id="262" r:id="rId10"/>
+    <p:sldId id="263" r:id="rId11"/>
+    <p:sldId id="264" r:id="rId12"/>
+    <p:sldId id="265" r:id="rId13"/>
+    <p:sldId id="266" r:id="rId14"/>
+    <p:sldId id="267" r:id="rId15"/>
+    <p:sldId id="268" r:id="rId16"/>
+    <p:sldId id="269" r:id="rId17"/>
+    <p:sldId id="270" r:id="rId18"/>
+    <p:sldId id="271" r:id="rId19"/>
   </p:sldIdLst>
   <p:sldSz cx="10080625" cy="5670550"/>
   <p:notesSz cx="7559675" cy="10691812"/>
@@ -67,7 +69,7 @@
       </p:grpSpPr>
       <p:sp>
         <p:nvSpPr>
-          <p:cNvPr id="26" name="PlaceHolder 1"/>
+          <p:cNvPr id="23" name="PlaceHolder 1"/>
           <p:cNvSpPr>
             <a:spLocks noGrp="1"/>
           </p:cNvSpPr>
@@ -78,7 +80,7 @@
         <p:spPr>
           <a:xfrm>
             <a:off x="504000" y="226080"/>
-            <a:ext cx="9071640" cy="946440"/>
+            <a:ext cx="9071280" cy="946080"/>
           </a:xfrm>
           <a:prstGeom prst="rect">
             <a:avLst/>
@@ -98,7 +100,7 @@
       </p:sp>
       <p:sp>
         <p:nvSpPr>
-          <p:cNvPr id="27" name="PlaceHolder 2"/>
+          <p:cNvPr id="24" name="PlaceHolder 2"/>
           <p:cNvSpPr>
             <a:spLocks noGrp="1"/>
           </p:cNvSpPr>
@@ -109,7 +111,7 @@
         <p:spPr>
           <a:xfrm>
             <a:off x="504000" y="1326600"/>
-            <a:ext cx="9071640" cy="1568160"/>
+            <a:ext cx="9071280" cy="1568160"/>
           </a:xfrm>
           <a:prstGeom prst="rect">
             <a:avLst/>
@@ -128,7 +130,7 @@
       </p:sp>
       <p:sp>
         <p:nvSpPr>
-          <p:cNvPr id="28" name="PlaceHolder 3"/>
+          <p:cNvPr id="25" name="PlaceHolder 3"/>
           <p:cNvSpPr>
             <a:spLocks noGrp="1"/>
           </p:cNvSpPr>
@@ -139,7 +141,7 @@
         <p:spPr>
           <a:xfrm>
             <a:off x="504000" y="3044160"/>
-            <a:ext cx="9071640" cy="1568160"/>
+            <a:ext cx="9071280" cy="1568160"/>
           </a:xfrm>
           <a:prstGeom prst="rect">
             <a:avLst/>
@@ -180,7 +182,7 @@
       </p:grpSpPr>
       <p:sp>
         <p:nvSpPr>
-          <p:cNvPr id="29" name="PlaceHolder 1"/>
+          <p:cNvPr id="26" name="PlaceHolder 1"/>
           <p:cNvSpPr>
             <a:spLocks noGrp="1"/>
           </p:cNvSpPr>
@@ -191,7 +193,7 @@
         <p:spPr>
           <a:xfrm>
             <a:off x="504000" y="226080"/>
-            <a:ext cx="9071640" cy="946440"/>
+            <a:ext cx="9071280" cy="946080"/>
           </a:xfrm>
           <a:prstGeom prst="rect">
             <a:avLst/>
@@ -211,7 +213,7 @@
       </p:sp>
       <p:sp>
         <p:nvSpPr>
-          <p:cNvPr id="30" name="PlaceHolder 2"/>
+          <p:cNvPr id="27" name="PlaceHolder 2"/>
           <p:cNvSpPr>
             <a:spLocks noGrp="1"/>
           </p:cNvSpPr>
@@ -222,7 +224,7 @@
         <p:spPr>
           <a:xfrm>
             <a:off x="504000" y="1326600"/>
-            <a:ext cx="4426920" cy="1568160"/>
+            <a:ext cx="4426560" cy="1568160"/>
           </a:xfrm>
           <a:prstGeom prst="rect">
             <a:avLst/>
@@ -241,7 +243,7 @@
       </p:sp>
       <p:sp>
         <p:nvSpPr>
-          <p:cNvPr id="31" name="PlaceHolder 3"/>
+          <p:cNvPr id="28" name="PlaceHolder 3"/>
           <p:cNvSpPr>
             <a:spLocks noGrp="1"/>
           </p:cNvSpPr>
@@ -251,8 +253,8 @@
         </p:nvSpPr>
         <p:spPr>
           <a:xfrm>
-            <a:off x="5152680" y="1326600"/>
-            <a:ext cx="4426920" cy="1568160"/>
+            <a:off x="5152320" y="1326600"/>
+            <a:ext cx="4426560" cy="1568160"/>
           </a:xfrm>
           <a:prstGeom prst="rect">
             <a:avLst/>
@@ -271,7 +273,7 @@
       </p:sp>
       <p:sp>
         <p:nvSpPr>
-          <p:cNvPr id="32" name="PlaceHolder 4"/>
+          <p:cNvPr id="29" name="PlaceHolder 4"/>
           <p:cNvSpPr>
             <a:spLocks noGrp="1"/>
           </p:cNvSpPr>
@@ -282,7 +284,7 @@
         <p:spPr>
           <a:xfrm>
             <a:off x="504000" y="3044160"/>
-            <a:ext cx="4426920" cy="1568160"/>
+            <a:ext cx="4426560" cy="1568160"/>
           </a:xfrm>
           <a:prstGeom prst="rect">
             <a:avLst/>
@@ -301,7 +303,7 @@
       </p:sp>
       <p:sp>
         <p:nvSpPr>
-          <p:cNvPr id="33" name="PlaceHolder 5"/>
+          <p:cNvPr id="30" name="PlaceHolder 5"/>
           <p:cNvSpPr>
             <a:spLocks noGrp="1"/>
           </p:cNvSpPr>
@@ -311,8 +313,8 @@
         </p:nvSpPr>
         <p:spPr>
           <a:xfrm>
-            <a:off x="5152680" y="3044160"/>
-            <a:ext cx="4426920" cy="1568160"/>
+            <a:off x="5152320" y="3044160"/>
+            <a:ext cx="4426560" cy="1568160"/>
           </a:xfrm>
           <a:prstGeom prst="rect">
             <a:avLst/>
@@ -353,7 +355,7 @@
       </p:grpSpPr>
       <p:sp>
         <p:nvSpPr>
-          <p:cNvPr id="34" name="PlaceHolder 1"/>
+          <p:cNvPr id="31" name="PlaceHolder 1"/>
           <p:cNvSpPr>
             <a:spLocks noGrp="1"/>
           </p:cNvSpPr>
@@ -364,7 +366,7 @@
         <p:spPr>
           <a:xfrm>
             <a:off x="504000" y="226080"/>
-            <a:ext cx="9071640" cy="946440"/>
+            <a:ext cx="9071280" cy="946080"/>
           </a:xfrm>
           <a:prstGeom prst="rect">
             <a:avLst/>
@@ -384,7 +386,7 @@
       </p:sp>
       <p:sp>
         <p:nvSpPr>
-          <p:cNvPr id="35" name="PlaceHolder 2"/>
+          <p:cNvPr id="32" name="PlaceHolder 2"/>
           <p:cNvSpPr>
             <a:spLocks noGrp="1"/>
           </p:cNvSpPr>
@@ -414,7 +416,7 @@
       </p:sp>
       <p:sp>
         <p:nvSpPr>
-          <p:cNvPr id="36" name="PlaceHolder 3"/>
+          <p:cNvPr id="33" name="PlaceHolder 3"/>
           <p:cNvSpPr>
             <a:spLocks noGrp="1"/>
           </p:cNvSpPr>
@@ -444,7 +446,7 @@
       </p:sp>
       <p:sp>
         <p:nvSpPr>
-          <p:cNvPr id="37" name="PlaceHolder 4"/>
+          <p:cNvPr id="34" name="PlaceHolder 4"/>
           <p:cNvSpPr>
             <a:spLocks noGrp="1"/>
           </p:cNvSpPr>
@@ -474,7 +476,7 @@
       </p:sp>
       <p:sp>
         <p:nvSpPr>
-          <p:cNvPr id="38" name="PlaceHolder 5"/>
+          <p:cNvPr id="35" name="PlaceHolder 5"/>
           <p:cNvSpPr>
             <a:spLocks noGrp="1"/>
           </p:cNvSpPr>
@@ -504,7 +506,7 @@
       </p:sp>
       <p:sp>
         <p:nvSpPr>
-          <p:cNvPr id="39" name="PlaceHolder 6"/>
+          <p:cNvPr id="36" name="PlaceHolder 6"/>
           <p:cNvSpPr>
             <a:spLocks noGrp="1"/>
           </p:cNvSpPr>
@@ -534,7 +536,7 @@
       </p:sp>
       <p:sp>
         <p:nvSpPr>
-          <p:cNvPr id="40" name="PlaceHolder 7"/>
+          <p:cNvPr id="37" name="PlaceHolder 7"/>
           <p:cNvSpPr>
             <a:spLocks noGrp="1"/>
           </p:cNvSpPr>
@@ -546,6 +548,557 @@
           <a:xfrm>
             <a:off x="6638040" y="3044160"/>
             <a:ext cx="2920680" cy="1568160"/>
+          </a:xfrm>
+          <a:prstGeom prst="rect">
+            <a:avLst/>
+          </a:prstGeom>
+        </p:spPr>
+        <p:txBody>
+          <a:bodyPr lIns="0" rIns="0" tIns="0" bIns="0">
+            <a:normAutofit/>
+          </a:bodyPr>
+          <a:p>
+            <a:endParaRPr b="0" lang="en-GB" sz="3200" spc="-1" strike="noStrike">
+              <a:latin typeface="Arial"/>
+            </a:endParaRPr>
+          </a:p>
+        </p:txBody>
+      </p:sp>
+    </p:spTree>
+  </p:cSld>
+</p:sldLayout>
+</file>
+
+<file path=ppt/slideLayouts/slideLayout13.xml><?xml version="1.0" encoding="utf-8"?>
+<p:sldLayout xmlns:a="http://schemas.openxmlformats.org/drawingml/2006/main" xmlns:p="http://schemas.openxmlformats.org/presentationml/2006/main" xmlns:r="http://schemas.openxmlformats.org/officeDocument/2006/relationships" xmlns:p14="http://schemas.microsoft.com/office/powerpoint/2010/main" xmlns:p15="http://schemas.microsoft.com/office/powerpoint/2012/main" xmlns:mc="http://schemas.openxmlformats.org/markup-compatibility/2006" type="blank" preserve="1">
+  <p:cSld name="Blank Slide">
+    <p:spTree>
+      <p:nvGrpSpPr>
+        <p:cNvPr id="1" name=""/>
+        <p:cNvGrpSpPr/>
+        <p:nvPr/>
+      </p:nvGrpSpPr>
+      <p:grpSpPr>
+        <a:xfrm>
+          <a:off x="0" y="0"/>
+          <a:ext cx="0" cy="0"/>
+          <a:chOff x="0" y="0"/>
+          <a:chExt cx="0" cy="0"/>
+        </a:xfrm>
+      </p:grpSpPr>
+    </p:spTree>
+  </p:cSld>
+</p:sldLayout>
+</file>
+
+<file path=ppt/slideLayouts/slideLayout14.xml><?xml version="1.0" encoding="utf-8"?>
+<p:sldLayout xmlns:a="http://schemas.openxmlformats.org/drawingml/2006/main" xmlns:p="http://schemas.openxmlformats.org/presentationml/2006/main" xmlns:r="http://schemas.openxmlformats.org/officeDocument/2006/relationships" xmlns:p14="http://schemas.microsoft.com/office/powerpoint/2010/main" xmlns:p15="http://schemas.microsoft.com/office/powerpoint/2012/main" xmlns:mc="http://schemas.openxmlformats.org/markup-compatibility/2006" type="tx" preserve="1">
+  <p:cSld name="Title Slide">
+    <p:spTree>
+      <p:nvGrpSpPr>
+        <p:cNvPr id="1" name=""/>
+        <p:cNvGrpSpPr/>
+        <p:nvPr/>
+      </p:nvGrpSpPr>
+      <p:grpSpPr>
+        <a:xfrm>
+          <a:off x="0" y="0"/>
+          <a:ext cx="0" cy="0"/>
+          <a:chOff x="0" y="0"/>
+          <a:chExt cx="0" cy="0"/>
+        </a:xfrm>
+      </p:grpSpPr>
+      <p:sp>
+        <p:nvSpPr>
+          <p:cNvPr id="40" name="PlaceHolder 1"/>
+          <p:cNvSpPr>
+            <a:spLocks noGrp="1"/>
+          </p:cNvSpPr>
+          <p:nvPr>
+            <p:ph type="title"/>
+          </p:nvPr>
+        </p:nvSpPr>
+        <p:spPr>
+          <a:xfrm>
+            <a:off x="504000" y="226080"/>
+            <a:ext cx="9071280" cy="946080"/>
+          </a:xfrm>
+          <a:prstGeom prst="rect">
+            <a:avLst/>
+          </a:prstGeom>
+        </p:spPr>
+        <p:txBody>
+          <a:bodyPr lIns="0" rIns="0" tIns="0" bIns="0" anchor="ctr">
+            <a:noAutofit/>
+          </a:bodyPr>
+          <a:p>
+            <a:pPr algn="ctr"/>
+            <a:endParaRPr b="0" lang="en-GB" sz="4400" spc="-1" strike="noStrike">
+              <a:latin typeface="Arial"/>
+            </a:endParaRPr>
+          </a:p>
+        </p:txBody>
+      </p:sp>
+      <p:sp>
+        <p:nvSpPr>
+          <p:cNvPr id="41" name="PlaceHolder 2"/>
+          <p:cNvSpPr>
+            <a:spLocks noGrp="1"/>
+          </p:cNvSpPr>
+          <p:nvPr>
+            <p:ph type="subTitle"/>
+          </p:nvPr>
+        </p:nvSpPr>
+        <p:spPr>
+          <a:xfrm>
+            <a:off x="504000" y="1326600"/>
+            <a:ext cx="9071280" cy="3287880"/>
+          </a:xfrm>
+          <a:prstGeom prst="rect">
+            <a:avLst/>
+          </a:prstGeom>
+        </p:spPr>
+        <p:txBody>
+          <a:bodyPr lIns="0" rIns="0" tIns="0" bIns="0" anchor="ctr">
+            <a:noAutofit/>
+          </a:bodyPr>
+          <a:p>
+            <a:pPr algn="ctr"/>
+            <a:endParaRPr b="0" lang="en-GB" sz="3200" spc="-1" strike="noStrike">
+              <a:latin typeface="Arial"/>
+            </a:endParaRPr>
+          </a:p>
+        </p:txBody>
+      </p:sp>
+    </p:spTree>
+  </p:cSld>
+</p:sldLayout>
+</file>
+
+<file path=ppt/slideLayouts/slideLayout15.xml><?xml version="1.0" encoding="utf-8"?>
+<p:sldLayout xmlns:a="http://schemas.openxmlformats.org/drawingml/2006/main" xmlns:p="http://schemas.openxmlformats.org/presentationml/2006/main" xmlns:r="http://schemas.openxmlformats.org/officeDocument/2006/relationships" xmlns:p14="http://schemas.microsoft.com/office/powerpoint/2010/main" xmlns:p15="http://schemas.microsoft.com/office/powerpoint/2012/main" xmlns:mc="http://schemas.openxmlformats.org/markup-compatibility/2006" type="obj" preserve="1">
+  <p:cSld name="Title, Content">
+    <p:spTree>
+      <p:nvGrpSpPr>
+        <p:cNvPr id="1" name=""/>
+        <p:cNvGrpSpPr/>
+        <p:nvPr/>
+      </p:nvGrpSpPr>
+      <p:grpSpPr>
+        <a:xfrm>
+          <a:off x="0" y="0"/>
+          <a:ext cx="0" cy="0"/>
+          <a:chOff x="0" y="0"/>
+          <a:chExt cx="0" cy="0"/>
+        </a:xfrm>
+      </p:grpSpPr>
+      <p:sp>
+        <p:nvSpPr>
+          <p:cNvPr id="42" name="PlaceHolder 1"/>
+          <p:cNvSpPr>
+            <a:spLocks noGrp="1"/>
+          </p:cNvSpPr>
+          <p:nvPr>
+            <p:ph type="title"/>
+          </p:nvPr>
+        </p:nvSpPr>
+        <p:spPr>
+          <a:xfrm>
+            <a:off x="504000" y="226080"/>
+            <a:ext cx="9071280" cy="946080"/>
+          </a:xfrm>
+          <a:prstGeom prst="rect">
+            <a:avLst/>
+          </a:prstGeom>
+        </p:spPr>
+        <p:txBody>
+          <a:bodyPr lIns="0" rIns="0" tIns="0" bIns="0" anchor="ctr">
+            <a:noAutofit/>
+          </a:bodyPr>
+          <a:p>
+            <a:pPr algn="ctr"/>
+            <a:endParaRPr b="0" lang="en-GB" sz="4400" spc="-1" strike="noStrike">
+              <a:latin typeface="Arial"/>
+            </a:endParaRPr>
+          </a:p>
+        </p:txBody>
+      </p:sp>
+      <p:sp>
+        <p:nvSpPr>
+          <p:cNvPr id="43" name="PlaceHolder 2"/>
+          <p:cNvSpPr>
+            <a:spLocks noGrp="1"/>
+          </p:cNvSpPr>
+          <p:nvPr>
+            <p:ph type="body"/>
+          </p:nvPr>
+        </p:nvSpPr>
+        <p:spPr>
+          <a:xfrm>
+            <a:off x="504000" y="1326600"/>
+            <a:ext cx="9071280" cy="3287880"/>
+          </a:xfrm>
+          <a:prstGeom prst="rect">
+            <a:avLst/>
+          </a:prstGeom>
+        </p:spPr>
+        <p:txBody>
+          <a:bodyPr lIns="0" rIns="0" tIns="0" bIns="0">
+            <a:normAutofit/>
+          </a:bodyPr>
+          <a:p>
+            <a:endParaRPr b="0" lang="en-GB" sz="3200" spc="-1" strike="noStrike">
+              <a:latin typeface="Arial"/>
+            </a:endParaRPr>
+          </a:p>
+        </p:txBody>
+      </p:sp>
+    </p:spTree>
+  </p:cSld>
+</p:sldLayout>
+</file>
+
+<file path=ppt/slideLayouts/slideLayout16.xml><?xml version="1.0" encoding="utf-8"?>
+<p:sldLayout xmlns:a="http://schemas.openxmlformats.org/drawingml/2006/main" xmlns:p="http://schemas.openxmlformats.org/presentationml/2006/main" xmlns:r="http://schemas.openxmlformats.org/officeDocument/2006/relationships" xmlns:p14="http://schemas.microsoft.com/office/powerpoint/2010/main" xmlns:p15="http://schemas.microsoft.com/office/powerpoint/2012/main" xmlns:mc="http://schemas.openxmlformats.org/markup-compatibility/2006" type="twoObj" preserve="1">
+  <p:cSld name="Title, 2 Content">
+    <p:spTree>
+      <p:nvGrpSpPr>
+        <p:cNvPr id="1" name=""/>
+        <p:cNvGrpSpPr/>
+        <p:nvPr/>
+      </p:nvGrpSpPr>
+      <p:grpSpPr>
+        <a:xfrm>
+          <a:off x="0" y="0"/>
+          <a:ext cx="0" cy="0"/>
+          <a:chOff x="0" y="0"/>
+          <a:chExt cx="0" cy="0"/>
+        </a:xfrm>
+      </p:grpSpPr>
+      <p:sp>
+        <p:nvSpPr>
+          <p:cNvPr id="44" name="PlaceHolder 1"/>
+          <p:cNvSpPr>
+            <a:spLocks noGrp="1"/>
+          </p:cNvSpPr>
+          <p:nvPr>
+            <p:ph type="title"/>
+          </p:nvPr>
+        </p:nvSpPr>
+        <p:spPr>
+          <a:xfrm>
+            <a:off x="504000" y="226080"/>
+            <a:ext cx="9071280" cy="946080"/>
+          </a:xfrm>
+          <a:prstGeom prst="rect">
+            <a:avLst/>
+          </a:prstGeom>
+        </p:spPr>
+        <p:txBody>
+          <a:bodyPr lIns="0" rIns="0" tIns="0" bIns="0" anchor="ctr">
+            <a:noAutofit/>
+          </a:bodyPr>
+          <a:p>
+            <a:pPr algn="ctr"/>
+            <a:endParaRPr b="0" lang="en-GB" sz="4400" spc="-1" strike="noStrike">
+              <a:latin typeface="Arial"/>
+            </a:endParaRPr>
+          </a:p>
+        </p:txBody>
+      </p:sp>
+      <p:sp>
+        <p:nvSpPr>
+          <p:cNvPr id="45" name="PlaceHolder 2"/>
+          <p:cNvSpPr>
+            <a:spLocks noGrp="1"/>
+          </p:cNvSpPr>
+          <p:nvPr>
+            <p:ph type="body"/>
+          </p:nvPr>
+        </p:nvSpPr>
+        <p:spPr>
+          <a:xfrm>
+            <a:off x="504000" y="1326600"/>
+            <a:ext cx="4426560" cy="3287880"/>
+          </a:xfrm>
+          <a:prstGeom prst="rect">
+            <a:avLst/>
+          </a:prstGeom>
+        </p:spPr>
+        <p:txBody>
+          <a:bodyPr lIns="0" rIns="0" tIns="0" bIns="0">
+            <a:normAutofit/>
+          </a:bodyPr>
+          <a:p>
+            <a:endParaRPr b="0" lang="en-GB" sz="3200" spc="-1" strike="noStrike">
+              <a:latin typeface="Arial"/>
+            </a:endParaRPr>
+          </a:p>
+        </p:txBody>
+      </p:sp>
+      <p:sp>
+        <p:nvSpPr>
+          <p:cNvPr id="46" name="PlaceHolder 3"/>
+          <p:cNvSpPr>
+            <a:spLocks noGrp="1"/>
+          </p:cNvSpPr>
+          <p:nvPr>
+            <p:ph type="body"/>
+          </p:nvPr>
+        </p:nvSpPr>
+        <p:spPr>
+          <a:xfrm>
+            <a:off x="5152320" y="1326600"/>
+            <a:ext cx="4426560" cy="3287880"/>
+          </a:xfrm>
+          <a:prstGeom prst="rect">
+            <a:avLst/>
+          </a:prstGeom>
+        </p:spPr>
+        <p:txBody>
+          <a:bodyPr lIns="0" rIns="0" tIns="0" bIns="0">
+            <a:normAutofit/>
+          </a:bodyPr>
+          <a:p>
+            <a:endParaRPr b="0" lang="en-GB" sz="3200" spc="-1" strike="noStrike">
+              <a:latin typeface="Arial"/>
+            </a:endParaRPr>
+          </a:p>
+        </p:txBody>
+      </p:sp>
+    </p:spTree>
+  </p:cSld>
+</p:sldLayout>
+</file>
+
+<file path=ppt/slideLayouts/slideLayout17.xml><?xml version="1.0" encoding="utf-8"?>
+<p:sldLayout xmlns:a="http://schemas.openxmlformats.org/drawingml/2006/main" xmlns:p="http://schemas.openxmlformats.org/presentationml/2006/main" xmlns:r="http://schemas.openxmlformats.org/officeDocument/2006/relationships" xmlns:p14="http://schemas.microsoft.com/office/powerpoint/2010/main" xmlns:p15="http://schemas.microsoft.com/office/powerpoint/2012/main" xmlns:mc="http://schemas.openxmlformats.org/markup-compatibility/2006" type="titleOnly" preserve="1">
+  <p:cSld name="Title Only">
+    <p:spTree>
+      <p:nvGrpSpPr>
+        <p:cNvPr id="1" name=""/>
+        <p:cNvGrpSpPr/>
+        <p:nvPr/>
+      </p:nvGrpSpPr>
+      <p:grpSpPr>
+        <a:xfrm>
+          <a:off x="0" y="0"/>
+          <a:ext cx="0" cy="0"/>
+          <a:chOff x="0" y="0"/>
+          <a:chExt cx="0" cy="0"/>
+        </a:xfrm>
+      </p:grpSpPr>
+      <p:sp>
+        <p:nvSpPr>
+          <p:cNvPr id="47" name="PlaceHolder 1"/>
+          <p:cNvSpPr>
+            <a:spLocks noGrp="1"/>
+          </p:cNvSpPr>
+          <p:nvPr>
+            <p:ph type="title"/>
+          </p:nvPr>
+        </p:nvSpPr>
+        <p:spPr>
+          <a:xfrm>
+            <a:off x="504000" y="226080"/>
+            <a:ext cx="9071280" cy="946080"/>
+          </a:xfrm>
+          <a:prstGeom prst="rect">
+            <a:avLst/>
+          </a:prstGeom>
+        </p:spPr>
+        <p:txBody>
+          <a:bodyPr lIns="0" rIns="0" tIns="0" bIns="0" anchor="ctr">
+            <a:noAutofit/>
+          </a:bodyPr>
+          <a:p>
+            <a:pPr algn="ctr"/>
+            <a:endParaRPr b="0" lang="en-GB" sz="4400" spc="-1" strike="noStrike">
+              <a:latin typeface="Arial"/>
+            </a:endParaRPr>
+          </a:p>
+        </p:txBody>
+      </p:sp>
+    </p:spTree>
+  </p:cSld>
+</p:sldLayout>
+</file>
+
+<file path=ppt/slideLayouts/slideLayout18.xml><?xml version="1.0" encoding="utf-8"?>
+<p:sldLayout xmlns:a="http://schemas.openxmlformats.org/drawingml/2006/main" xmlns:p="http://schemas.openxmlformats.org/presentationml/2006/main" xmlns:r="http://schemas.openxmlformats.org/officeDocument/2006/relationships" xmlns:p14="http://schemas.microsoft.com/office/powerpoint/2010/main" xmlns:p15="http://schemas.microsoft.com/office/powerpoint/2012/main" xmlns:mc="http://schemas.openxmlformats.org/markup-compatibility/2006" type="objOnly" preserve="1">
+  <p:cSld name="Centered Text">
+    <p:spTree>
+      <p:nvGrpSpPr>
+        <p:cNvPr id="1" name=""/>
+        <p:cNvGrpSpPr/>
+        <p:nvPr/>
+      </p:nvGrpSpPr>
+      <p:grpSpPr>
+        <a:xfrm>
+          <a:off x="0" y="0"/>
+          <a:ext cx="0" cy="0"/>
+          <a:chOff x="0" y="0"/>
+          <a:chExt cx="0" cy="0"/>
+        </a:xfrm>
+      </p:grpSpPr>
+      <p:sp>
+        <p:nvSpPr>
+          <p:cNvPr id="48" name="PlaceHolder 1"/>
+          <p:cNvSpPr>
+            <a:spLocks noGrp="1"/>
+          </p:cNvSpPr>
+          <p:nvPr>
+            <p:ph type="subTitle"/>
+          </p:nvPr>
+        </p:nvSpPr>
+        <p:spPr>
+          <a:xfrm>
+            <a:off x="504000" y="226080"/>
+            <a:ext cx="9071280" cy="4386600"/>
+          </a:xfrm>
+          <a:prstGeom prst="rect">
+            <a:avLst/>
+          </a:prstGeom>
+        </p:spPr>
+        <p:txBody>
+          <a:bodyPr lIns="0" rIns="0" tIns="0" bIns="0" anchor="ctr">
+            <a:noAutofit/>
+          </a:bodyPr>
+          <a:p>
+            <a:pPr algn="ctr"/>
+            <a:endParaRPr b="0" lang="en-GB" sz="3200" spc="-1" strike="noStrike">
+              <a:latin typeface="Arial"/>
+            </a:endParaRPr>
+          </a:p>
+        </p:txBody>
+      </p:sp>
+    </p:spTree>
+  </p:cSld>
+</p:sldLayout>
+</file>
+
+<file path=ppt/slideLayouts/slideLayout19.xml><?xml version="1.0" encoding="utf-8"?>
+<p:sldLayout xmlns:a="http://schemas.openxmlformats.org/drawingml/2006/main" xmlns:p="http://schemas.openxmlformats.org/presentationml/2006/main" xmlns:r="http://schemas.openxmlformats.org/officeDocument/2006/relationships" xmlns:p14="http://schemas.microsoft.com/office/powerpoint/2010/main" xmlns:p15="http://schemas.microsoft.com/office/powerpoint/2012/main" xmlns:mc="http://schemas.openxmlformats.org/markup-compatibility/2006" type="twoObjAndObj" preserve="1">
+  <p:cSld name="Title, 2 Content and Content">
+    <p:spTree>
+      <p:nvGrpSpPr>
+        <p:cNvPr id="1" name=""/>
+        <p:cNvGrpSpPr/>
+        <p:nvPr/>
+      </p:nvGrpSpPr>
+      <p:grpSpPr>
+        <a:xfrm>
+          <a:off x="0" y="0"/>
+          <a:ext cx="0" cy="0"/>
+          <a:chOff x="0" y="0"/>
+          <a:chExt cx="0" cy="0"/>
+        </a:xfrm>
+      </p:grpSpPr>
+      <p:sp>
+        <p:nvSpPr>
+          <p:cNvPr id="49" name="PlaceHolder 1"/>
+          <p:cNvSpPr>
+            <a:spLocks noGrp="1"/>
+          </p:cNvSpPr>
+          <p:nvPr>
+            <p:ph type="title"/>
+          </p:nvPr>
+        </p:nvSpPr>
+        <p:spPr>
+          <a:xfrm>
+            <a:off x="504000" y="226080"/>
+            <a:ext cx="9071280" cy="946080"/>
+          </a:xfrm>
+          <a:prstGeom prst="rect">
+            <a:avLst/>
+          </a:prstGeom>
+        </p:spPr>
+        <p:txBody>
+          <a:bodyPr lIns="0" rIns="0" tIns="0" bIns="0" anchor="ctr">
+            <a:noAutofit/>
+          </a:bodyPr>
+          <a:p>
+            <a:pPr algn="ctr"/>
+            <a:endParaRPr b="0" lang="en-GB" sz="4400" spc="-1" strike="noStrike">
+              <a:latin typeface="Arial"/>
+            </a:endParaRPr>
+          </a:p>
+        </p:txBody>
+      </p:sp>
+      <p:sp>
+        <p:nvSpPr>
+          <p:cNvPr id="50" name="PlaceHolder 2"/>
+          <p:cNvSpPr>
+            <a:spLocks noGrp="1"/>
+          </p:cNvSpPr>
+          <p:nvPr>
+            <p:ph type="body"/>
+          </p:nvPr>
+        </p:nvSpPr>
+        <p:spPr>
+          <a:xfrm>
+            <a:off x="504000" y="1326600"/>
+            <a:ext cx="4426560" cy="1568160"/>
+          </a:xfrm>
+          <a:prstGeom prst="rect">
+            <a:avLst/>
+          </a:prstGeom>
+        </p:spPr>
+        <p:txBody>
+          <a:bodyPr lIns="0" rIns="0" tIns="0" bIns="0">
+            <a:normAutofit/>
+          </a:bodyPr>
+          <a:p>
+            <a:endParaRPr b="0" lang="en-GB" sz="3200" spc="-1" strike="noStrike">
+              <a:latin typeface="Arial"/>
+            </a:endParaRPr>
+          </a:p>
+        </p:txBody>
+      </p:sp>
+      <p:sp>
+        <p:nvSpPr>
+          <p:cNvPr id="51" name="PlaceHolder 3"/>
+          <p:cNvSpPr>
+            <a:spLocks noGrp="1"/>
+          </p:cNvSpPr>
+          <p:nvPr>
+            <p:ph type="body"/>
+          </p:nvPr>
+        </p:nvSpPr>
+        <p:spPr>
+          <a:xfrm>
+            <a:off x="5152320" y="1326600"/>
+            <a:ext cx="4426560" cy="3287880"/>
+          </a:xfrm>
+          <a:prstGeom prst="rect">
+            <a:avLst/>
+          </a:prstGeom>
+        </p:spPr>
+        <p:txBody>
+          <a:bodyPr lIns="0" rIns="0" tIns="0" bIns="0">
+            <a:normAutofit/>
+          </a:bodyPr>
+          <a:p>
+            <a:endParaRPr b="0" lang="en-GB" sz="3200" spc="-1" strike="noStrike">
+              <a:latin typeface="Arial"/>
+            </a:endParaRPr>
+          </a:p>
+        </p:txBody>
+      </p:sp>
+      <p:sp>
+        <p:nvSpPr>
+          <p:cNvPr id="52" name="PlaceHolder 4"/>
+          <p:cNvSpPr>
+            <a:spLocks noGrp="1"/>
+          </p:cNvSpPr>
+          <p:nvPr>
+            <p:ph type="body"/>
+          </p:nvPr>
+        </p:nvSpPr>
+        <p:spPr>
+          <a:xfrm>
+            <a:off x="504000" y="3044160"/>
+            <a:ext cx="4426560" cy="1568160"/>
           </a:xfrm>
           <a:prstGeom prst="rect">
             <a:avLst/>
@@ -586,7 +1139,7 @@
       </p:grpSpPr>
       <p:sp>
         <p:nvSpPr>
-          <p:cNvPr id="5" name="PlaceHolder 1"/>
+          <p:cNvPr id="2" name="PlaceHolder 1"/>
           <p:cNvSpPr>
             <a:spLocks noGrp="1"/>
           </p:cNvSpPr>
@@ -597,7 +1150,7 @@
         <p:spPr>
           <a:xfrm>
             <a:off x="504000" y="226080"/>
-            <a:ext cx="9071640" cy="946440"/>
+            <a:ext cx="9071280" cy="946080"/>
           </a:xfrm>
           <a:prstGeom prst="rect">
             <a:avLst/>
@@ -617,7 +1170,7 @@
       </p:sp>
       <p:sp>
         <p:nvSpPr>
-          <p:cNvPr id="6" name="PlaceHolder 2"/>
+          <p:cNvPr id="3" name="PlaceHolder 2"/>
           <p:cNvSpPr>
             <a:spLocks noGrp="1"/>
           </p:cNvSpPr>
@@ -628,7 +1181,7 @@
         <p:spPr>
           <a:xfrm>
             <a:off x="504000" y="1326600"/>
-            <a:ext cx="9071640" cy="3288240"/>
+            <a:ext cx="9071280" cy="3287880"/>
           </a:xfrm>
           <a:prstGeom prst="rect">
             <a:avLst/>
@@ -640,6 +1193,811 @@
           </a:bodyPr>
           <a:p>
             <a:pPr algn="ctr"/>
+            <a:endParaRPr b="0" lang="en-GB" sz="3200" spc="-1" strike="noStrike">
+              <a:latin typeface="Arial"/>
+            </a:endParaRPr>
+          </a:p>
+        </p:txBody>
+      </p:sp>
+    </p:spTree>
+  </p:cSld>
+</p:sldLayout>
+</file>
+
+<file path=ppt/slideLayouts/slideLayout20.xml><?xml version="1.0" encoding="utf-8"?>
+<p:sldLayout xmlns:a="http://schemas.openxmlformats.org/drawingml/2006/main" xmlns:p="http://schemas.openxmlformats.org/presentationml/2006/main" xmlns:r="http://schemas.openxmlformats.org/officeDocument/2006/relationships" xmlns:p14="http://schemas.microsoft.com/office/powerpoint/2010/main" xmlns:p15="http://schemas.microsoft.com/office/powerpoint/2012/main" xmlns:mc="http://schemas.openxmlformats.org/markup-compatibility/2006" type="objAndTwoObj" preserve="1">
+  <p:cSld name="Title Content and 2 Content">
+    <p:spTree>
+      <p:nvGrpSpPr>
+        <p:cNvPr id="1" name=""/>
+        <p:cNvGrpSpPr/>
+        <p:nvPr/>
+      </p:nvGrpSpPr>
+      <p:grpSpPr>
+        <a:xfrm>
+          <a:off x="0" y="0"/>
+          <a:ext cx="0" cy="0"/>
+          <a:chOff x="0" y="0"/>
+          <a:chExt cx="0" cy="0"/>
+        </a:xfrm>
+      </p:grpSpPr>
+      <p:sp>
+        <p:nvSpPr>
+          <p:cNvPr id="53" name="PlaceHolder 1"/>
+          <p:cNvSpPr>
+            <a:spLocks noGrp="1"/>
+          </p:cNvSpPr>
+          <p:nvPr>
+            <p:ph type="title"/>
+          </p:nvPr>
+        </p:nvSpPr>
+        <p:spPr>
+          <a:xfrm>
+            <a:off x="504000" y="226080"/>
+            <a:ext cx="9071280" cy="946080"/>
+          </a:xfrm>
+          <a:prstGeom prst="rect">
+            <a:avLst/>
+          </a:prstGeom>
+        </p:spPr>
+        <p:txBody>
+          <a:bodyPr lIns="0" rIns="0" tIns="0" bIns="0" anchor="ctr">
+            <a:noAutofit/>
+          </a:bodyPr>
+          <a:p>
+            <a:pPr algn="ctr"/>
+            <a:endParaRPr b="0" lang="en-GB" sz="4400" spc="-1" strike="noStrike">
+              <a:latin typeface="Arial"/>
+            </a:endParaRPr>
+          </a:p>
+        </p:txBody>
+      </p:sp>
+      <p:sp>
+        <p:nvSpPr>
+          <p:cNvPr id="54" name="PlaceHolder 2"/>
+          <p:cNvSpPr>
+            <a:spLocks noGrp="1"/>
+          </p:cNvSpPr>
+          <p:nvPr>
+            <p:ph type="body"/>
+          </p:nvPr>
+        </p:nvSpPr>
+        <p:spPr>
+          <a:xfrm>
+            <a:off x="504000" y="1326600"/>
+            <a:ext cx="4426560" cy="3287880"/>
+          </a:xfrm>
+          <a:prstGeom prst="rect">
+            <a:avLst/>
+          </a:prstGeom>
+        </p:spPr>
+        <p:txBody>
+          <a:bodyPr lIns="0" rIns="0" tIns="0" bIns="0">
+            <a:normAutofit/>
+          </a:bodyPr>
+          <a:p>
+            <a:endParaRPr b="0" lang="en-GB" sz="3200" spc="-1" strike="noStrike">
+              <a:latin typeface="Arial"/>
+            </a:endParaRPr>
+          </a:p>
+        </p:txBody>
+      </p:sp>
+      <p:sp>
+        <p:nvSpPr>
+          <p:cNvPr id="55" name="PlaceHolder 3"/>
+          <p:cNvSpPr>
+            <a:spLocks noGrp="1"/>
+          </p:cNvSpPr>
+          <p:nvPr>
+            <p:ph type="body"/>
+          </p:nvPr>
+        </p:nvSpPr>
+        <p:spPr>
+          <a:xfrm>
+            <a:off x="5152320" y="1326600"/>
+            <a:ext cx="4426560" cy="1568160"/>
+          </a:xfrm>
+          <a:prstGeom prst="rect">
+            <a:avLst/>
+          </a:prstGeom>
+        </p:spPr>
+        <p:txBody>
+          <a:bodyPr lIns="0" rIns="0" tIns="0" bIns="0">
+            <a:normAutofit/>
+          </a:bodyPr>
+          <a:p>
+            <a:endParaRPr b="0" lang="en-GB" sz="3200" spc="-1" strike="noStrike">
+              <a:latin typeface="Arial"/>
+            </a:endParaRPr>
+          </a:p>
+        </p:txBody>
+      </p:sp>
+      <p:sp>
+        <p:nvSpPr>
+          <p:cNvPr id="56" name="PlaceHolder 4"/>
+          <p:cNvSpPr>
+            <a:spLocks noGrp="1"/>
+          </p:cNvSpPr>
+          <p:nvPr>
+            <p:ph type="body"/>
+          </p:nvPr>
+        </p:nvSpPr>
+        <p:spPr>
+          <a:xfrm>
+            <a:off x="5152320" y="3044160"/>
+            <a:ext cx="4426560" cy="1568160"/>
+          </a:xfrm>
+          <a:prstGeom prst="rect">
+            <a:avLst/>
+          </a:prstGeom>
+        </p:spPr>
+        <p:txBody>
+          <a:bodyPr lIns="0" rIns="0" tIns="0" bIns="0">
+            <a:normAutofit/>
+          </a:bodyPr>
+          <a:p>
+            <a:endParaRPr b="0" lang="en-GB" sz="3200" spc="-1" strike="noStrike">
+              <a:latin typeface="Arial"/>
+            </a:endParaRPr>
+          </a:p>
+        </p:txBody>
+      </p:sp>
+    </p:spTree>
+  </p:cSld>
+</p:sldLayout>
+</file>
+
+<file path=ppt/slideLayouts/slideLayout21.xml><?xml version="1.0" encoding="utf-8"?>
+<p:sldLayout xmlns:a="http://schemas.openxmlformats.org/drawingml/2006/main" xmlns:p="http://schemas.openxmlformats.org/presentationml/2006/main" xmlns:r="http://schemas.openxmlformats.org/officeDocument/2006/relationships" xmlns:p14="http://schemas.microsoft.com/office/powerpoint/2010/main" xmlns:p15="http://schemas.microsoft.com/office/powerpoint/2012/main" xmlns:mc="http://schemas.openxmlformats.org/markup-compatibility/2006" type="twoObjOverTx" preserve="1">
+  <p:cSld name="Title, 2 Content over Content">
+    <p:spTree>
+      <p:nvGrpSpPr>
+        <p:cNvPr id="1" name=""/>
+        <p:cNvGrpSpPr/>
+        <p:nvPr/>
+      </p:nvGrpSpPr>
+      <p:grpSpPr>
+        <a:xfrm>
+          <a:off x="0" y="0"/>
+          <a:ext cx="0" cy="0"/>
+          <a:chOff x="0" y="0"/>
+          <a:chExt cx="0" cy="0"/>
+        </a:xfrm>
+      </p:grpSpPr>
+      <p:sp>
+        <p:nvSpPr>
+          <p:cNvPr id="57" name="PlaceHolder 1"/>
+          <p:cNvSpPr>
+            <a:spLocks noGrp="1"/>
+          </p:cNvSpPr>
+          <p:nvPr>
+            <p:ph type="title"/>
+          </p:nvPr>
+        </p:nvSpPr>
+        <p:spPr>
+          <a:xfrm>
+            <a:off x="504000" y="226080"/>
+            <a:ext cx="9071280" cy="946080"/>
+          </a:xfrm>
+          <a:prstGeom prst="rect">
+            <a:avLst/>
+          </a:prstGeom>
+        </p:spPr>
+        <p:txBody>
+          <a:bodyPr lIns="0" rIns="0" tIns="0" bIns="0" anchor="ctr">
+            <a:noAutofit/>
+          </a:bodyPr>
+          <a:p>
+            <a:pPr algn="ctr"/>
+            <a:endParaRPr b="0" lang="en-GB" sz="4400" spc="-1" strike="noStrike">
+              <a:latin typeface="Arial"/>
+            </a:endParaRPr>
+          </a:p>
+        </p:txBody>
+      </p:sp>
+      <p:sp>
+        <p:nvSpPr>
+          <p:cNvPr id="58" name="PlaceHolder 2"/>
+          <p:cNvSpPr>
+            <a:spLocks noGrp="1"/>
+          </p:cNvSpPr>
+          <p:nvPr>
+            <p:ph type="body"/>
+          </p:nvPr>
+        </p:nvSpPr>
+        <p:spPr>
+          <a:xfrm>
+            <a:off x="504000" y="1326600"/>
+            <a:ext cx="4426560" cy="1568160"/>
+          </a:xfrm>
+          <a:prstGeom prst="rect">
+            <a:avLst/>
+          </a:prstGeom>
+        </p:spPr>
+        <p:txBody>
+          <a:bodyPr lIns="0" rIns="0" tIns="0" bIns="0">
+            <a:normAutofit/>
+          </a:bodyPr>
+          <a:p>
+            <a:endParaRPr b="0" lang="en-GB" sz="3200" spc="-1" strike="noStrike">
+              <a:latin typeface="Arial"/>
+            </a:endParaRPr>
+          </a:p>
+        </p:txBody>
+      </p:sp>
+      <p:sp>
+        <p:nvSpPr>
+          <p:cNvPr id="59" name="PlaceHolder 3"/>
+          <p:cNvSpPr>
+            <a:spLocks noGrp="1"/>
+          </p:cNvSpPr>
+          <p:nvPr>
+            <p:ph type="body"/>
+          </p:nvPr>
+        </p:nvSpPr>
+        <p:spPr>
+          <a:xfrm>
+            <a:off x="5152320" y="1326600"/>
+            <a:ext cx="4426560" cy="1568160"/>
+          </a:xfrm>
+          <a:prstGeom prst="rect">
+            <a:avLst/>
+          </a:prstGeom>
+        </p:spPr>
+        <p:txBody>
+          <a:bodyPr lIns="0" rIns="0" tIns="0" bIns="0">
+            <a:normAutofit/>
+          </a:bodyPr>
+          <a:p>
+            <a:endParaRPr b="0" lang="en-GB" sz="3200" spc="-1" strike="noStrike">
+              <a:latin typeface="Arial"/>
+            </a:endParaRPr>
+          </a:p>
+        </p:txBody>
+      </p:sp>
+      <p:sp>
+        <p:nvSpPr>
+          <p:cNvPr id="60" name="PlaceHolder 4"/>
+          <p:cNvSpPr>
+            <a:spLocks noGrp="1"/>
+          </p:cNvSpPr>
+          <p:nvPr>
+            <p:ph type="body"/>
+          </p:nvPr>
+        </p:nvSpPr>
+        <p:spPr>
+          <a:xfrm>
+            <a:off x="504000" y="3044160"/>
+            <a:ext cx="9071280" cy="1568160"/>
+          </a:xfrm>
+          <a:prstGeom prst="rect">
+            <a:avLst/>
+          </a:prstGeom>
+        </p:spPr>
+        <p:txBody>
+          <a:bodyPr lIns="0" rIns="0" tIns="0" bIns="0">
+            <a:normAutofit/>
+          </a:bodyPr>
+          <a:p>
+            <a:endParaRPr b="0" lang="en-GB" sz="3200" spc="-1" strike="noStrike">
+              <a:latin typeface="Arial"/>
+            </a:endParaRPr>
+          </a:p>
+        </p:txBody>
+      </p:sp>
+    </p:spTree>
+  </p:cSld>
+</p:sldLayout>
+</file>
+
+<file path=ppt/slideLayouts/slideLayout22.xml><?xml version="1.0" encoding="utf-8"?>
+<p:sldLayout xmlns:a="http://schemas.openxmlformats.org/drawingml/2006/main" xmlns:p="http://schemas.openxmlformats.org/presentationml/2006/main" xmlns:r="http://schemas.openxmlformats.org/officeDocument/2006/relationships" xmlns:p14="http://schemas.microsoft.com/office/powerpoint/2010/main" xmlns:p15="http://schemas.microsoft.com/office/powerpoint/2012/main" xmlns:mc="http://schemas.openxmlformats.org/markup-compatibility/2006" type="objOverTx" preserve="1">
+  <p:cSld name="Title, Content over Content">
+    <p:spTree>
+      <p:nvGrpSpPr>
+        <p:cNvPr id="1" name=""/>
+        <p:cNvGrpSpPr/>
+        <p:nvPr/>
+      </p:nvGrpSpPr>
+      <p:grpSpPr>
+        <a:xfrm>
+          <a:off x="0" y="0"/>
+          <a:ext cx="0" cy="0"/>
+          <a:chOff x="0" y="0"/>
+          <a:chExt cx="0" cy="0"/>
+        </a:xfrm>
+      </p:grpSpPr>
+      <p:sp>
+        <p:nvSpPr>
+          <p:cNvPr id="61" name="PlaceHolder 1"/>
+          <p:cNvSpPr>
+            <a:spLocks noGrp="1"/>
+          </p:cNvSpPr>
+          <p:nvPr>
+            <p:ph type="title"/>
+          </p:nvPr>
+        </p:nvSpPr>
+        <p:spPr>
+          <a:xfrm>
+            <a:off x="504000" y="226080"/>
+            <a:ext cx="9071280" cy="946080"/>
+          </a:xfrm>
+          <a:prstGeom prst="rect">
+            <a:avLst/>
+          </a:prstGeom>
+        </p:spPr>
+        <p:txBody>
+          <a:bodyPr lIns="0" rIns="0" tIns="0" bIns="0" anchor="ctr">
+            <a:noAutofit/>
+          </a:bodyPr>
+          <a:p>
+            <a:pPr algn="ctr"/>
+            <a:endParaRPr b="0" lang="en-GB" sz="4400" spc="-1" strike="noStrike">
+              <a:latin typeface="Arial"/>
+            </a:endParaRPr>
+          </a:p>
+        </p:txBody>
+      </p:sp>
+      <p:sp>
+        <p:nvSpPr>
+          <p:cNvPr id="62" name="PlaceHolder 2"/>
+          <p:cNvSpPr>
+            <a:spLocks noGrp="1"/>
+          </p:cNvSpPr>
+          <p:nvPr>
+            <p:ph type="body"/>
+          </p:nvPr>
+        </p:nvSpPr>
+        <p:spPr>
+          <a:xfrm>
+            <a:off x="504000" y="1326600"/>
+            <a:ext cx="9071280" cy="1568160"/>
+          </a:xfrm>
+          <a:prstGeom prst="rect">
+            <a:avLst/>
+          </a:prstGeom>
+        </p:spPr>
+        <p:txBody>
+          <a:bodyPr lIns="0" rIns="0" tIns="0" bIns="0">
+            <a:normAutofit/>
+          </a:bodyPr>
+          <a:p>
+            <a:endParaRPr b="0" lang="en-GB" sz="3200" spc="-1" strike="noStrike">
+              <a:latin typeface="Arial"/>
+            </a:endParaRPr>
+          </a:p>
+        </p:txBody>
+      </p:sp>
+      <p:sp>
+        <p:nvSpPr>
+          <p:cNvPr id="63" name="PlaceHolder 3"/>
+          <p:cNvSpPr>
+            <a:spLocks noGrp="1"/>
+          </p:cNvSpPr>
+          <p:nvPr>
+            <p:ph type="body"/>
+          </p:nvPr>
+        </p:nvSpPr>
+        <p:spPr>
+          <a:xfrm>
+            <a:off x="504000" y="3044160"/>
+            <a:ext cx="9071280" cy="1568160"/>
+          </a:xfrm>
+          <a:prstGeom prst="rect">
+            <a:avLst/>
+          </a:prstGeom>
+        </p:spPr>
+        <p:txBody>
+          <a:bodyPr lIns="0" rIns="0" tIns="0" bIns="0">
+            <a:normAutofit/>
+          </a:bodyPr>
+          <a:p>
+            <a:endParaRPr b="0" lang="en-GB" sz="3200" spc="-1" strike="noStrike">
+              <a:latin typeface="Arial"/>
+            </a:endParaRPr>
+          </a:p>
+        </p:txBody>
+      </p:sp>
+    </p:spTree>
+  </p:cSld>
+</p:sldLayout>
+</file>
+
+<file path=ppt/slideLayouts/slideLayout23.xml><?xml version="1.0" encoding="utf-8"?>
+<p:sldLayout xmlns:a="http://schemas.openxmlformats.org/drawingml/2006/main" xmlns:p="http://schemas.openxmlformats.org/presentationml/2006/main" xmlns:r="http://schemas.openxmlformats.org/officeDocument/2006/relationships" xmlns:p14="http://schemas.microsoft.com/office/powerpoint/2010/main" xmlns:p15="http://schemas.microsoft.com/office/powerpoint/2012/main" xmlns:mc="http://schemas.openxmlformats.org/markup-compatibility/2006" type="fourObj" preserve="1">
+  <p:cSld name="Title, 4 Content">
+    <p:spTree>
+      <p:nvGrpSpPr>
+        <p:cNvPr id="1" name=""/>
+        <p:cNvGrpSpPr/>
+        <p:nvPr/>
+      </p:nvGrpSpPr>
+      <p:grpSpPr>
+        <a:xfrm>
+          <a:off x="0" y="0"/>
+          <a:ext cx="0" cy="0"/>
+          <a:chOff x="0" y="0"/>
+          <a:chExt cx="0" cy="0"/>
+        </a:xfrm>
+      </p:grpSpPr>
+      <p:sp>
+        <p:nvSpPr>
+          <p:cNvPr id="64" name="PlaceHolder 1"/>
+          <p:cNvSpPr>
+            <a:spLocks noGrp="1"/>
+          </p:cNvSpPr>
+          <p:nvPr>
+            <p:ph type="title"/>
+          </p:nvPr>
+        </p:nvSpPr>
+        <p:spPr>
+          <a:xfrm>
+            <a:off x="504000" y="226080"/>
+            <a:ext cx="9071280" cy="946080"/>
+          </a:xfrm>
+          <a:prstGeom prst="rect">
+            <a:avLst/>
+          </a:prstGeom>
+        </p:spPr>
+        <p:txBody>
+          <a:bodyPr lIns="0" rIns="0" tIns="0" bIns="0" anchor="ctr">
+            <a:noAutofit/>
+          </a:bodyPr>
+          <a:p>
+            <a:pPr algn="ctr"/>
+            <a:endParaRPr b="0" lang="en-GB" sz="4400" spc="-1" strike="noStrike">
+              <a:latin typeface="Arial"/>
+            </a:endParaRPr>
+          </a:p>
+        </p:txBody>
+      </p:sp>
+      <p:sp>
+        <p:nvSpPr>
+          <p:cNvPr id="65" name="PlaceHolder 2"/>
+          <p:cNvSpPr>
+            <a:spLocks noGrp="1"/>
+          </p:cNvSpPr>
+          <p:nvPr>
+            <p:ph type="body"/>
+          </p:nvPr>
+        </p:nvSpPr>
+        <p:spPr>
+          <a:xfrm>
+            <a:off x="504000" y="1326600"/>
+            <a:ext cx="4426560" cy="1568160"/>
+          </a:xfrm>
+          <a:prstGeom prst="rect">
+            <a:avLst/>
+          </a:prstGeom>
+        </p:spPr>
+        <p:txBody>
+          <a:bodyPr lIns="0" rIns="0" tIns="0" bIns="0">
+            <a:normAutofit/>
+          </a:bodyPr>
+          <a:p>
+            <a:endParaRPr b="0" lang="en-GB" sz="3200" spc="-1" strike="noStrike">
+              <a:latin typeface="Arial"/>
+            </a:endParaRPr>
+          </a:p>
+        </p:txBody>
+      </p:sp>
+      <p:sp>
+        <p:nvSpPr>
+          <p:cNvPr id="66" name="PlaceHolder 3"/>
+          <p:cNvSpPr>
+            <a:spLocks noGrp="1"/>
+          </p:cNvSpPr>
+          <p:nvPr>
+            <p:ph type="body"/>
+          </p:nvPr>
+        </p:nvSpPr>
+        <p:spPr>
+          <a:xfrm>
+            <a:off x="5152320" y="1326600"/>
+            <a:ext cx="4426560" cy="1568160"/>
+          </a:xfrm>
+          <a:prstGeom prst="rect">
+            <a:avLst/>
+          </a:prstGeom>
+        </p:spPr>
+        <p:txBody>
+          <a:bodyPr lIns="0" rIns="0" tIns="0" bIns="0">
+            <a:normAutofit/>
+          </a:bodyPr>
+          <a:p>
+            <a:endParaRPr b="0" lang="en-GB" sz="3200" spc="-1" strike="noStrike">
+              <a:latin typeface="Arial"/>
+            </a:endParaRPr>
+          </a:p>
+        </p:txBody>
+      </p:sp>
+      <p:sp>
+        <p:nvSpPr>
+          <p:cNvPr id="67" name="PlaceHolder 4"/>
+          <p:cNvSpPr>
+            <a:spLocks noGrp="1"/>
+          </p:cNvSpPr>
+          <p:nvPr>
+            <p:ph type="body"/>
+          </p:nvPr>
+        </p:nvSpPr>
+        <p:spPr>
+          <a:xfrm>
+            <a:off x="504000" y="3044160"/>
+            <a:ext cx="4426560" cy="1568160"/>
+          </a:xfrm>
+          <a:prstGeom prst="rect">
+            <a:avLst/>
+          </a:prstGeom>
+        </p:spPr>
+        <p:txBody>
+          <a:bodyPr lIns="0" rIns="0" tIns="0" bIns="0">
+            <a:normAutofit/>
+          </a:bodyPr>
+          <a:p>
+            <a:endParaRPr b="0" lang="en-GB" sz="3200" spc="-1" strike="noStrike">
+              <a:latin typeface="Arial"/>
+            </a:endParaRPr>
+          </a:p>
+        </p:txBody>
+      </p:sp>
+      <p:sp>
+        <p:nvSpPr>
+          <p:cNvPr id="68" name="PlaceHolder 5"/>
+          <p:cNvSpPr>
+            <a:spLocks noGrp="1"/>
+          </p:cNvSpPr>
+          <p:nvPr>
+            <p:ph type="body"/>
+          </p:nvPr>
+        </p:nvSpPr>
+        <p:spPr>
+          <a:xfrm>
+            <a:off x="5152320" y="3044160"/>
+            <a:ext cx="4426560" cy="1568160"/>
+          </a:xfrm>
+          <a:prstGeom prst="rect">
+            <a:avLst/>
+          </a:prstGeom>
+        </p:spPr>
+        <p:txBody>
+          <a:bodyPr lIns="0" rIns="0" tIns="0" bIns="0">
+            <a:normAutofit/>
+          </a:bodyPr>
+          <a:p>
+            <a:endParaRPr b="0" lang="en-GB" sz="3200" spc="-1" strike="noStrike">
+              <a:latin typeface="Arial"/>
+            </a:endParaRPr>
+          </a:p>
+        </p:txBody>
+      </p:sp>
+    </p:spTree>
+  </p:cSld>
+</p:sldLayout>
+</file>
+
+<file path=ppt/slideLayouts/slideLayout24.xml><?xml version="1.0" encoding="utf-8"?>
+<p:sldLayout xmlns:a="http://schemas.openxmlformats.org/drawingml/2006/main" xmlns:p="http://schemas.openxmlformats.org/presentationml/2006/main" xmlns:r="http://schemas.openxmlformats.org/officeDocument/2006/relationships" xmlns:p14="http://schemas.microsoft.com/office/powerpoint/2010/main" xmlns:p15="http://schemas.microsoft.com/office/powerpoint/2012/main" xmlns:mc="http://schemas.openxmlformats.org/markup-compatibility/2006" type="blank" preserve="1">
+  <p:cSld name="Title, 6 Content">
+    <p:spTree>
+      <p:nvGrpSpPr>
+        <p:cNvPr id="1" name=""/>
+        <p:cNvGrpSpPr/>
+        <p:nvPr/>
+      </p:nvGrpSpPr>
+      <p:grpSpPr>
+        <a:xfrm>
+          <a:off x="0" y="0"/>
+          <a:ext cx="0" cy="0"/>
+          <a:chOff x="0" y="0"/>
+          <a:chExt cx="0" cy="0"/>
+        </a:xfrm>
+      </p:grpSpPr>
+      <p:sp>
+        <p:nvSpPr>
+          <p:cNvPr id="69" name="PlaceHolder 1"/>
+          <p:cNvSpPr>
+            <a:spLocks noGrp="1"/>
+          </p:cNvSpPr>
+          <p:nvPr>
+            <p:ph type="title"/>
+          </p:nvPr>
+        </p:nvSpPr>
+        <p:spPr>
+          <a:xfrm>
+            <a:off x="504000" y="226080"/>
+            <a:ext cx="9071280" cy="946080"/>
+          </a:xfrm>
+          <a:prstGeom prst="rect">
+            <a:avLst/>
+          </a:prstGeom>
+        </p:spPr>
+        <p:txBody>
+          <a:bodyPr lIns="0" rIns="0" tIns="0" bIns="0" anchor="ctr">
+            <a:noAutofit/>
+          </a:bodyPr>
+          <a:p>
+            <a:pPr algn="ctr"/>
+            <a:endParaRPr b="0" lang="en-GB" sz="4400" spc="-1" strike="noStrike">
+              <a:latin typeface="Arial"/>
+            </a:endParaRPr>
+          </a:p>
+        </p:txBody>
+      </p:sp>
+      <p:sp>
+        <p:nvSpPr>
+          <p:cNvPr id="70" name="PlaceHolder 2"/>
+          <p:cNvSpPr>
+            <a:spLocks noGrp="1"/>
+          </p:cNvSpPr>
+          <p:nvPr>
+            <p:ph type="body"/>
+          </p:nvPr>
+        </p:nvSpPr>
+        <p:spPr>
+          <a:xfrm>
+            <a:off x="504000" y="1326600"/>
+            <a:ext cx="2920680" cy="1568160"/>
+          </a:xfrm>
+          <a:prstGeom prst="rect">
+            <a:avLst/>
+          </a:prstGeom>
+        </p:spPr>
+        <p:txBody>
+          <a:bodyPr lIns="0" rIns="0" tIns="0" bIns="0">
+            <a:normAutofit/>
+          </a:bodyPr>
+          <a:p>
+            <a:endParaRPr b="0" lang="en-GB" sz="3200" spc="-1" strike="noStrike">
+              <a:latin typeface="Arial"/>
+            </a:endParaRPr>
+          </a:p>
+        </p:txBody>
+      </p:sp>
+      <p:sp>
+        <p:nvSpPr>
+          <p:cNvPr id="71" name="PlaceHolder 3"/>
+          <p:cNvSpPr>
+            <a:spLocks noGrp="1"/>
+          </p:cNvSpPr>
+          <p:nvPr>
+            <p:ph type="body"/>
+          </p:nvPr>
+        </p:nvSpPr>
+        <p:spPr>
+          <a:xfrm>
+            <a:off x="3571200" y="1326600"/>
+            <a:ext cx="2920680" cy="1568160"/>
+          </a:xfrm>
+          <a:prstGeom prst="rect">
+            <a:avLst/>
+          </a:prstGeom>
+        </p:spPr>
+        <p:txBody>
+          <a:bodyPr lIns="0" rIns="0" tIns="0" bIns="0">
+            <a:normAutofit/>
+          </a:bodyPr>
+          <a:p>
+            <a:endParaRPr b="0" lang="en-GB" sz="3200" spc="-1" strike="noStrike">
+              <a:latin typeface="Arial"/>
+            </a:endParaRPr>
+          </a:p>
+        </p:txBody>
+      </p:sp>
+      <p:sp>
+        <p:nvSpPr>
+          <p:cNvPr id="72" name="PlaceHolder 4"/>
+          <p:cNvSpPr>
+            <a:spLocks noGrp="1"/>
+          </p:cNvSpPr>
+          <p:nvPr>
+            <p:ph type="body"/>
+          </p:nvPr>
+        </p:nvSpPr>
+        <p:spPr>
+          <a:xfrm>
+            <a:off x="6638040" y="1326600"/>
+            <a:ext cx="2920680" cy="1568160"/>
+          </a:xfrm>
+          <a:prstGeom prst="rect">
+            <a:avLst/>
+          </a:prstGeom>
+        </p:spPr>
+        <p:txBody>
+          <a:bodyPr lIns="0" rIns="0" tIns="0" bIns="0">
+            <a:normAutofit/>
+          </a:bodyPr>
+          <a:p>
+            <a:endParaRPr b="0" lang="en-GB" sz="3200" spc="-1" strike="noStrike">
+              <a:latin typeface="Arial"/>
+            </a:endParaRPr>
+          </a:p>
+        </p:txBody>
+      </p:sp>
+      <p:sp>
+        <p:nvSpPr>
+          <p:cNvPr id="73" name="PlaceHolder 5"/>
+          <p:cNvSpPr>
+            <a:spLocks noGrp="1"/>
+          </p:cNvSpPr>
+          <p:nvPr>
+            <p:ph type="body"/>
+          </p:nvPr>
+        </p:nvSpPr>
+        <p:spPr>
+          <a:xfrm>
+            <a:off x="504000" y="3044160"/>
+            <a:ext cx="2920680" cy="1568160"/>
+          </a:xfrm>
+          <a:prstGeom prst="rect">
+            <a:avLst/>
+          </a:prstGeom>
+        </p:spPr>
+        <p:txBody>
+          <a:bodyPr lIns="0" rIns="0" tIns="0" bIns="0">
+            <a:normAutofit/>
+          </a:bodyPr>
+          <a:p>
+            <a:endParaRPr b="0" lang="en-GB" sz="3200" spc="-1" strike="noStrike">
+              <a:latin typeface="Arial"/>
+            </a:endParaRPr>
+          </a:p>
+        </p:txBody>
+      </p:sp>
+      <p:sp>
+        <p:nvSpPr>
+          <p:cNvPr id="74" name="PlaceHolder 6"/>
+          <p:cNvSpPr>
+            <a:spLocks noGrp="1"/>
+          </p:cNvSpPr>
+          <p:nvPr>
+            <p:ph type="body"/>
+          </p:nvPr>
+        </p:nvSpPr>
+        <p:spPr>
+          <a:xfrm>
+            <a:off x="3571200" y="3044160"/>
+            <a:ext cx="2920680" cy="1568160"/>
+          </a:xfrm>
+          <a:prstGeom prst="rect">
+            <a:avLst/>
+          </a:prstGeom>
+        </p:spPr>
+        <p:txBody>
+          <a:bodyPr lIns="0" rIns="0" tIns="0" bIns="0">
+            <a:normAutofit/>
+          </a:bodyPr>
+          <a:p>
+            <a:endParaRPr b="0" lang="en-GB" sz="3200" spc="-1" strike="noStrike">
+              <a:latin typeface="Arial"/>
+            </a:endParaRPr>
+          </a:p>
+        </p:txBody>
+      </p:sp>
+      <p:sp>
+        <p:nvSpPr>
+          <p:cNvPr id="75" name="PlaceHolder 7"/>
+          <p:cNvSpPr>
+            <a:spLocks noGrp="1"/>
+          </p:cNvSpPr>
+          <p:nvPr>
+            <p:ph type="body"/>
+          </p:nvPr>
+        </p:nvSpPr>
+        <p:spPr>
+          <a:xfrm>
+            <a:off x="6638040" y="3044160"/>
+            <a:ext cx="2920680" cy="1568160"/>
+          </a:xfrm>
+          <a:prstGeom prst="rect">
+            <a:avLst/>
+          </a:prstGeom>
+        </p:spPr>
+        <p:txBody>
+          <a:bodyPr lIns="0" rIns="0" tIns="0" bIns="0">
+            <a:normAutofit/>
+          </a:bodyPr>
+          <a:p>
             <a:endParaRPr b="0" lang="en-GB" sz="3200" spc="-1" strike="noStrike">
               <a:latin typeface="Arial"/>
             </a:endParaRPr>
@@ -670,7 +2028,7 @@
       </p:grpSpPr>
       <p:sp>
         <p:nvSpPr>
-          <p:cNvPr id="7" name="PlaceHolder 1"/>
+          <p:cNvPr id="4" name="PlaceHolder 1"/>
           <p:cNvSpPr>
             <a:spLocks noGrp="1"/>
           </p:cNvSpPr>
@@ -681,7 +2039,7 @@
         <p:spPr>
           <a:xfrm>
             <a:off x="504000" y="226080"/>
-            <a:ext cx="9071640" cy="946440"/>
+            <a:ext cx="9071280" cy="946080"/>
           </a:xfrm>
           <a:prstGeom prst="rect">
             <a:avLst/>
@@ -701,7 +2059,7 @@
       </p:sp>
       <p:sp>
         <p:nvSpPr>
-          <p:cNvPr id="8" name="PlaceHolder 2"/>
+          <p:cNvPr id="5" name="PlaceHolder 2"/>
           <p:cNvSpPr>
             <a:spLocks noGrp="1"/>
           </p:cNvSpPr>
@@ -712,7 +2070,7 @@
         <p:spPr>
           <a:xfrm>
             <a:off x="504000" y="1326600"/>
-            <a:ext cx="9071640" cy="3288240"/>
+            <a:ext cx="9071280" cy="3287880"/>
           </a:xfrm>
           <a:prstGeom prst="rect">
             <a:avLst/>
@@ -753,7 +2111,7 @@
       </p:grpSpPr>
       <p:sp>
         <p:nvSpPr>
-          <p:cNvPr id="9" name="PlaceHolder 1"/>
+          <p:cNvPr id="6" name="PlaceHolder 1"/>
           <p:cNvSpPr>
             <a:spLocks noGrp="1"/>
           </p:cNvSpPr>
@@ -764,7 +2122,7 @@
         <p:spPr>
           <a:xfrm>
             <a:off x="504000" y="226080"/>
-            <a:ext cx="9071640" cy="946440"/>
+            <a:ext cx="9071280" cy="946080"/>
           </a:xfrm>
           <a:prstGeom prst="rect">
             <a:avLst/>
@@ -784,7 +2142,7 @@
       </p:sp>
       <p:sp>
         <p:nvSpPr>
-          <p:cNvPr id="10" name="PlaceHolder 2"/>
+          <p:cNvPr id="7" name="PlaceHolder 2"/>
           <p:cNvSpPr>
             <a:spLocks noGrp="1"/>
           </p:cNvSpPr>
@@ -795,7 +2153,7 @@
         <p:spPr>
           <a:xfrm>
             <a:off x="504000" y="1326600"/>
-            <a:ext cx="4426920" cy="3288240"/>
+            <a:ext cx="4426560" cy="3287880"/>
           </a:xfrm>
           <a:prstGeom prst="rect">
             <a:avLst/>
@@ -814,7 +2172,7 @@
       </p:sp>
       <p:sp>
         <p:nvSpPr>
-          <p:cNvPr id="11" name="PlaceHolder 3"/>
+          <p:cNvPr id="8" name="PlaceHolder 3"/>
           <p:cNvSpPr>
             <a:spLocks noGrp="1"/>
           </p:cNvSpPr>
@@ -824,8 +2182,8 @@
         </p:nvSpPr>
         <p:spPr>
           <a:xfrm>
-            <a:off x="5152680" y="1326600"/>
-            <a:ext cx="4426920" cy="3288240"/>
+            <a:off x="5152320" y="1326600"/>
+            <a:ext cx="4426560" cy="3287880"/>
           </a:xfrm>
           <a:prstGeom prst="rect">
             <a:avLst/>
@@ -866,7 +2224,7 @@
       </p:grpSpPr>
       <p:sp>
         <p:nvSpPr>
-          <p:cNvPr id="12" name="PlaceHolder 1"/>
+          <p:cNvPr id="9" name="PlaceHolder 1"/>
           <p:cNvSpPr>
             <a:spLocks noGrp="1"/>
           </p:cNvSpPr>
@@ -877,7 +2235,7 @@
         <p:spPr>
           <a:xfrm>
             <a:off x="504000" y="226080"/>
-            <a:ext cx="9071640" cy="946440"/>
+            <a:ext cx="9071280" cy="946080"/>
           </a:xfrm>
           <a:prstGeom prst="rect">
             <a:avLst/>
@@ -919,7 +2277,7 @@
       </p:grpSpPr>
       <p:sp>
         <p:nvSpPr>
-          <p:cNvPr id="13" name="PlaceHolder 1"/>
+          <p:cNvPr id="10" name="PlaceHolder 1"/>
           <p:cNvSpPr>
             <a:spLocks noGrp="1"/>
           </p:cNvSpPr>
@@ -930,7 +2288,7 @@
         <p:spPr>
           <a:xfrm>
             <a:off x="504000" y="226080"/>
-            <a:ext cx="9071640" cy="4388400"/>
+            <a:ext cx="9071280" cy="4386600"/>
           </a:xfrm>
           <a:prstGeom prst="rect">
             <a:avLst/>
@@ -972,7 +2330,7 @@
       </p:grpSpPr>
       <p:sp>
         <p:nvSpPr>
-          <p:cNvPr id="14" name="PlaceHolder 1"/>
+          <p:cNvPr id="11" name="PlaceHolder 1"/>
           <p:cNvSpPr>
             <a:spLocks noGrp="1"/>
           </p:cNvSpPr>
@@ -983,7 +2341,7 @@
         <p:spPr>
           <a:xfrm>
             <a:off x="504000" y="226080"/>
-            <a:ext cx="9071640" cy="946440"/>
+            <a:ext cx="9071280" cy="946080"/>
           </a:xfrm>
           <a:prstGeom prst="rect">
             <a:avLst/>
@@ -1003,7 +2361,7 @@
       </p:sp>
       <p:sp>
         <p:nvSpPr>
-          <p:cNvPr id="15" name="PlaceHolder 2"/>
+          <p:cNvPr id="12" name="PlaceHolder 2"/>
           <p:cNvSpPr>
             <a:spLocks noGrp="1"/>
           </p:cNvSpPr>
@@ -1014,7 +2372,7 @@
         <p:spPr>
           <a:xfrm>
             <a:off x="504000" y="1326600"/>
-            <a:ext cx="4426920" cy="1568160"/>
+            <a:ext cx="4426560" cy="1568160"/>
           </a:xfrm>
           <a:prstGeom prst="rect">
             <a:avLst/>
@@ -1033,7 +2391,7 @@
       </p:sp>
       <p:sp>
         <p:nvSpPr>
-          <p:cNvPr id="16" name="PlaceHolder 3"/>
+          <p:cNvPr id="13" name="PlaceHolder 3"/>
           <p:cNvSpPr>
             <a:spLocks noGrp="1"/>
           </p:cNvSpPr>
@@ -1043,8 +2401,8 @@
         </p:nvSpPr>
         <p:spPr>
           <a:xfrm>
-            <a:off x="5152680" y="1326600"/>
-            <a:ext cx="4426920" cy="3288240"/>
+            <a:off x="5152320" y="1326600"/>
+            <a:ext cx="4426560" cy="3287880"/>
           </a:xfrm>
           <a:prstGeom prst="rect">
             <a:avLst/>
@@ -1063,7 +2421,7 @@
       </p:sp>
       <p:sp>
         <p:nvSpPr>
-          <p:cNvPr id="17" name="PlaceHolder 4"/>
+          <p:cNvPr id="14" name="PlaceHolder 4"/>
           <p:cNvSpPr>
             <a:spLocks noGrp="1"/>
           </p:cNvSpPr>
@@ -1074,7 +2432,7 @@
         <p:spPr>
           <a:xfrm>
             <a:off x="504000" y="3044160"/>
-            <a:ext cx="4426920" cy="1568160"/>
+            <a:ext cx="4426560" cy="1568160"/>
           </a:xfrm>
           <a:prstGeom prst="rect">
             <a:avLst/>
@@ -1115,7 +2473,7 @@
       </p:grpSpPr>
       <p:sp>
         <p:nvSpPr>
-          <p:cNvPr id="18" name="PlaceHolder 1"/>
+          <p:cNvPr id="15" name="PlaceHolder 1"/>
           <p:cNvSpPr>
             <a:spLocks noGrp="1"/>
           </p:cNvSpPr>
@@ -1126,7 +2484,7 @@
         <p:spPr>
           <a:xfrm>
             <a:off x="504000" y="226080"/>
-            <a:ext cx="9071640" cy="946440"/>
+            <a:ext cx="9071280" cy="946080"/>
           </a:xfrm>
           <a:prstGeom prst="rect">
             <a:avLst/>
@@ -1146,7 +2504,7 @@
       </p:sp>
       <p:sp>
         <p:nvSpPr>
-          <p:cNvPr id="19" name="PlaceHolder 2"/>
+          <p:cNvPr id="16" name="PlaceHolder 2"/>
           <p:cNvSpPr>
             <a:spLocks noGrp="1"/>
           </p:cNvSpPr>
@@ -1157,7 +2515,7 @@
         <p:spPr>
           <a:xfrm>
             <a:off x="504000" y="1326600"/>
-            <a:ext cx="4426920" cy="3288240"/>
+            <a:ext cx="4426560" cy="3287880"/>
           </a:xfrm>
           <a:prstGeom prst="rect">
             <a:avLst/>
@@ -1176,7 +2534,7 @@
       </p:sp>
       <p:sp>
         <p:nvSpPr>
-          <p:cNvPr id="20" name="PlaceHolder 3"/>
+          <p:cNvPr id="17" name="PlaceHolder 3"/>
           <p:cNvSpPr>
             <a:spLocks noGrp="1"/>
           </p:cNvSpPr>
@@ -1186,8 +2544,8 @@
         </p:nvSpPr>
         <p:spPr>
           <a:xfrm>
-            <a:off x="5152680" y="1326600"/>
-            <a:ext cx="4426920" cy="1568160"/>
+            <a:off x="5152320" y="1326600"/>
+            <a:ext cx="4426560" cy="1568160"/>
           </a:xfrm>
           <a:prstGeom prst="rect">
             <a:avLst/>
@@ -1206,7 +2564,7 @@
       </p:sp>
       <p:sp>
         <p:nvSpPr>
-          <p:cNvPr id="21" name="PlaceHolder 4"/>
+          <p:cNvPr id="18" name="PlaceHolder 4"/>
           <p:cNvSpPr>
             <a:spLocks noGrp="1"/>
           </p:cNvSpPr>
@@ -1216,8 +2574,8 @@
         </p:nvSpPr>
         <p:spPr>
           <a:xfrm>
-            <a:off x="5152680" y="3044160"/>
-            <a:ext cx="4426920" cy="1568160"/>
+            <a:off x="5152320" y="3044160"/>
+            <a:ext cx="4426560" cy="1568160"/>
           </a:xfrm>
           <a:prstGeom prst="rect">
             <a:avLst/>
@@ -1258,7 +2616,7 @@
       </p:grpSpPr>
       <p:sp>
         <p:nvSpPr>
-          <p:cNvPr id="22" name="PlaceHolder 1"/>
+          <p:cNvPr id="19" name="PlaceHolder 1"/>
           <p:cNvSpPr>
             <a:spLocks noGrp="1"/>
           </p:cNvSpPr>
@@ -1269,7 +2627,7 @@
         <p:spPr>
           <a:xfrm>
             <a:off x="504000" y="226080"/>
-            <a:ext cx="9071640" cy="946440"/>
+            <a:ext cx="9071280" cy="946080"/>
           </a:xfrm>
           <a:prstGeom prst="rect">
             <a:avLst/>
@@ -1289,7 +2647,7 @@
       </p:sp>
       <p:sp>
         <p:nvSpPr>
-          <p:cNvPr id="23" name="PlaceHolder 2"/>
+          <p:cNvPr id="20" name="PlaceHolder 2"/>
           <p:cNvSpPr>
             <a:spLocks noGrp="1"/>
           </p:cNvSpPr>
@@ -1300,7 +2658,7 @@
         <p:spPr>
           <a:xfrm>
             <a:off x="504000" y="1326600"/>
-            <a:ext cx="4426920" cy="1568160"/>
+            <a:ext cx="4426560" cy="1568160"/>
           </a:xfrm>
           <a:prstGeom prst="rect">
             <a:avLst/>
@@ -1319,7 +2677,7 @@
       </p:sp>
       <p:sp>
         <p:nvSpPr>
-          <p:cNvPr id="24" name="PlaceHolder 3"/>
+          <p:cNvPr id="21" name="PlaceHolder 3"/>
           <p:cNvSpPr>
             <a:spLocks noGrp="1"/>
           </p:cNvSpPr>
@@ -1329,8 +2687,8 @@
         </p:nvSpPr>
         <p:spPr>
           <a:xfrm>
-            <a:off x="5152680" y="1326600"/>
-            <a:ext cx="4426920" cy="1568160"/>
+            <a:off x="5152320" y="1326600"/>
+            <a:ext cx="4426560" cy="1568160"/>
           </a:xfrm>
           <a:prstGeom prst="rect">
             <a:avLst/>
@@ -1349,7 +2707,7 @@
       </p:sp>
       <p:sp>
         <p:nvSpPr>
-          <p:cNvPr id="25" name="PlaceHolder 4"/>
+          <p:cNvPr id="22" name="PlaceHolder 4"/>
           <p:cNvSpPr>
             <a:spLocks noGrp="1"/>
           </p:cNvSpPr>
@@ -1360,7 +2718,7 @@
         <p:spPr>
           <a:xfrm>
             <a:off x="504000" y="3044160"/>
-            <a:ext cx="9071640" cy="1568160"/>
+            <a:ext cx="9071280" cy="1568160"/>
           </a:xfrm>
           <a:prstGeom prst="rect">
             <a:avLst/>
@@ -1412,7 +2770,7 @@
         <p:spPr>
           <a:xfrm>
             <a:off x="504000" y="226080"/>
-            <a:ext cx="9071640" cy="946440"/>
+            <a:ext cx="9071280" cy="946080"/>
           </a:xfrm>
           <a:prstGeom prst="rect">
             <a:avLst/>
@@ -1425,12 +2783,12 @@
           <a:p>
             <a:pPr algn="ctr"/>
             <a:r>
-              <a:rPr b="0" lang="en-GB" sz="4400" spc="-1" strike="noStrike">
+              <a:rPr b="0" lang="en-GB" sz="1800" spc="-1" strike="noStrike">
                 <a:latin typeface="Arial"/>
               </a:rPr>
               <a:t>Click to edit the title text format</a:t>
             </a:r>
-            <a:endParaRPr b="0" lang="en-GB" sz="4400" spc="-1" strike="noStrike">
+            <a:endParaRPr b="0" lang="en-GB" sz="1800" spc="-1" strike="noStrike">
               <a:latin typeface="Arial"/>
             </a:endParaRPr>
           </a:p>
@@ -1449,7 +2807,7 @@
         <p:spPr>
           <a:xfrm>
             <a:off x="504000" y="1326600"/>
-            <a:ext cx="9071640" cy="3288240"/>
+            <a:ext cx="9072000" cy="3288600"/>
           </a:xfrm>
           <a:prstGeom prst="rect">
             <a:avLst/>
@@ -1611,116 +2969,6 @@
             </a:r>
             <a:endParaRPr b="0" lang="en-GB" sz="2000" spc="-1" strike="noStrike">
               <a:latin typeface="Arial"/>
-            </a:endParaRPr>
-          </a:p>
-        </p:txBody>
-      </p:sp>
-      <p:sp>
-        <p:nvSpPr>
-          <p:cNvPr id="2" name="PlaceHolder 3"/>
-          <p:cNvSpPr>
-            <a:spLocks noGrp="1"/>
-          </p:cNvSpPr>
-          <p:nvPr>
-            <p:ph type="dt"/>
-          </p:nvPr>
-        </p:nvSpPr>
-        <p:spPr>
-          <a:xfrm>
-            <a:off x="504000" y="5165280"/>
-            <a:ext cx="2348280" cy="390600"/>
-          </a:xfrm>
-          <a:prstGeom prst="rect">
-            <a:avLst/>
-          </a:prstGeom>
-        </p:spPr>
-        <p:txBody>
-          <a:bodyPr lIns="0" rIns="0" tIns="0" bIns="0">
-            <a:noAutofit/>
-          </a:bodyPr>
-          <a:p>
-            <a:r>
-              <a:rPr b="0" lang="en-GB" sz="1400" spc="-1" strike="noStrike">
-                <a:latin typeface="Times New Roman"/>
-              </a:rPr>
-              <a:t>&lt;date/time&gt;</a:t>
-            </a:r>
-            <a:endParaRPr b="0" lang="en-GB" sz="1400" spc="-1" strike="noStrike">
-              <a:latin typeface="Times New Roman"/>
-            </a:endParaRPr>
-          </a:p>
-        </p:txBody>
-      </p:sp>
-      <p:sp>
-        <p:nvSpPr>
-          <p:cNvPr id="3" name="PlaceHolder 4"/>
-          <p:cNvSpPr>
-            <a:spLocks noGrp="1"/>
-          </p:cNvSpPr>
-          <p:nvPr>
-            <p:ph type="ftr"/>
-          </p:nvPr>
-        </p:nvSpPr>
-        <p:spPr>
-          <a:xfrm>
-            <a:off x="3447360" y="5165280"/>
-            <a:ext cx="3195000" cy="390600"/>
-          </a:xfrm>
-          <a:prstGeom prst="rect">
-            <a:avLst/>
-          </a:prstGeom>
-        </p:spPr>
-        <p:txBody>
-          <a:bodyPr lIns="0" rIns="0" tIns="0" bIns="0">
-            <a:noAutofit/>
-          </a:bodyPr>
-          <a:p>
-            <a:pPr algn="ctr"/>
-            <a:r>
-              <a:rPr b="0" lang="en-GB" sz="1400" spc="-1" strike="noStrike">
-                <a:latin typeface="Times New Roman"/>
-              </a:rPr>
-              <a:t>&lt;footer&gt;</a:t>
-            </a:r>
-            <a:endParaRPr b="0" lang="en-GB" sz="1400" spc="-1" strike="noStrike">
-              <a:latin typeface="Times New Roman"/>
-            </a:endParaRPr>
-          </a:p>
-        </p:txBody>
-      </p:sp>
-      <p:sp>
-        <p:nvSpPr>
-          <p:cNvPr id="4" name="PlaceHolder 5"/>
-          <p:cNvSpPr>
-            <a:spLocks noGrp="1"/>
-          </p:cNvSpPr>
-          <p:nvPr>
-            <p:ph type="sldNum"/>
-          </p:nvPr>
-        </p:nvSpPr>
-        <p:spPr>
-          <a:xfrm>
-            <a:off x="7227360" y="5165280"/>
-            <a:ext cx="2348280" cy="390600"/>
-          </a:xfrm>
-          <a:prstGeom prst="rect">
-            <a:avLst/>
-          </a:prstGeom>
-        </p:spPr>
-        <p:txBody>
-          <a:bodyPr lIns="0" rIns="0" tIns="0" bIns="0">
-            <a:noAutofit/>
-          </a:bodyPr>
-          <a:p>
-            <a:pPr algn="r"/>
-            <a:fld id="{556A993F-65FD-4907-9E2E-1B210125A7B4}" type="slidenum">
-              <a:rPr b="0" lang="en-GB" sz="1400" spc="-1" strike="noStrike">
-                <a:latin typeface="Times New Roman"/>
-              </a:rPr>
-              <a:t>&lt;number&gt;</a:t>
-            </a:fld>
-            <a:endParaRPr b="0" lang="en-GB" sz="1400" spc="-1" strike="noStrike">
-              <a:latin typeface="Times New Roman"/>
             </a:endParaRPr>
           </a:p>
         </p:txBody>
@@ -1741,6 +2989,259 @@
     <p:sldLayoutId id="2147483658" r:id="rId11"/>
     <p:sldLayoutId id="2147483659" r:id="rId12"/>
     <p:sldLayoutId id="2147483660" r:id="rId13"/>
+  </p:sldLayoutIdLst>
+</p:sldMaster>
+</file>
+
+<file path=ppt/slideMasters/slideMaster2.xml><?xml version="1.0" encoding="utf-8"?>
+<p:sldMaster xmlns:a="http://schemas.openxmlformats.org/drawingml/2006/main" xmlns:p="http://schemas.openxmlformats.org/presentationml/2006/main" xmlns:r="http://schemas.openxmlformats.org/officeDocument/2006/relationships" xmlns:p14="http://schemas.microsoft.com/office/powerpoint/2010/main" xmlns:p15="http://schemas.microsoft.com/office/powerpoint/2012/main" xmlns:mc="http://schemas.openxmlformats.org/markup-compatibility/2006">
+  <p:cSld>
+    <p:spTree>
+      <p:nvGrpSpPr>
+        <p:cNvPr id="1" name=""/>
+        <p:cNvGrpSpPr/>
+        <p:nvPr/>
+      </p:nvGrpSpPr>
+      <p:grpSpPr>
+        <a:xfrm>
+          <a:off x="0" y="0"/>
+          <a:ext cx="0" cy="0"/>
+          <a:chOff x="0" y="0"/>
+          <a:chExt cx="0" cy="0"/>
+        </a:xfrm>
+      </p:grpSpPr>
+      <p:sp>
+        <p:nvSpPr>
+          <p:cNvPr id="38" name="PlaceHolder 1"/>
+          <p:cNvSpPr>
+            <a:spLocks noGrp="1"/>
+          </p:cNvSpPr>
+          <p:nvPr>
+            <p:ph type="title"/>
+          </p:nvPr>
+        </p:nvSpPr>
+        <p:spPr>
+          <a:xfrm>
+            <a:off x="504000" y="226080"/>
+            <a:ext cx="9071280" cy="946080"/>
+          </a:xfrm>
+          <a:prstGeom prst="rect">
+            <a:avLst/>
+          </a:prstGeom>
+        </p:spPr>
+        <p:txBody>
+          <a:bodyPr lIns="0" rIns="0" tIns="0" bIns="0" anchor="ctr">
+            <a:noAutofit/>
+          </a:bodyPr>
+          <a:p>
+            <a:pPr algn="ctr"/>
+            <a:r>
+              <a:rPr b="0" lang="en-GB" sz="1800" spc="-1" strike="noStrike">
+                <a:latin typeface="Arial"/>
+              </a:rPr>
+              <a:t>Click to edit the title text format</a:t>
+            </a:r>
+            <a:endParaRPr b="0" lang="en-GB" sz="1800" spc="-1" strike="noStrike">
+              <a:latin typeface="Arial"/>
+            </a:endParaRPr>
+          </a:p>
+        </p:txBody>
+      </p:sp>
+      <p:sp>
+        <p:nvSpPr>
+          <p:cNvPr id="39" name="PlaceHolder 2"/>
+          <p:cNvSpPr>
+            <a:spLocks noGrp="1"/>
+          </p:cNvSpPr>
+          <p:nvPr>
+            <p:ph type="body"/>
+          </p:nvPr>
+        </p:nvSpPr>
+        <p:spPr>
+          <a:xfrm>
+            <a:off x="504000" y="1326600"/>
+            <a:ext cx="9071280" cy="3287880"/>
+          </a:xfrm>
+          <a:prstGeom prst="rect">
+            <a:avLst/>
+          </a:prstGeom>
+        </p:spPr>
+        <p:txBody>
+          <a:bodyPr lIns="0" rIns="0" tIns="0" bIns="0">
+            <a:normAutofit/>
+          </a:bodyPr>
+          <a:p>
+            <a:pPr marL="432000" indent="-324000" algn="ctr">
+              <a:spcBef>
+                <a:spcPts val="1417"/>
+              </a:spcBef>
+              <a:buClr>
+                <a:srgbClr val="000000"/>
+              </a:buClr>
+              <a:buSzPct val="45000"/>
+              <a:buFont typeface="Wingdings" charset="2"/>
+              <a:buChar char=""/>
+            </a:pPr>
+            <a:r>
+              <a:rPr b="0" lang="en-GB" sz="1800" spc="-1" strike="noStrike">
+                <a:latin typeface="Arial"/>
+              </a:rPr>
+              <a:t>Click to edit the outline text format</a:t>
+            </a:r>
+            <a:endParaRPr b="0" lang="en-GB" sz="1800" spc="-1" strike="noStrike">
+              <a:latin typeface="Arial"/>
+            </a:endParaRPr>
+          </a:p>
+          <a:p>
+            <a:pPr lvl="1" marL="864000" indent="-324000" algn="ctr">
+              <a:spcBef>
+                <a:spcPts val="1134"/>
+              </a:spcBef>
+              <a:buClr>
+                <a:srgbClr val="000000"/>
+              </a:buClr>
+              <a:buSzPct val="75000"/>
+              <a:buFont typeface="Symbol" charset="2"/>
+              <a:buChar char=""/>
+            </a:pPr>
+            <a:r>
+              <a:rPr b="0" lang="en-GB" sz="1800" spc="-1" strike="noStrike">
+                <a:latin typeface="Arial"/>
+              </a:rPr>
+              <a:t>Second Outline Level</a:t>
+            </a:r>
+            <a:endParaRPr b="0" lang="en-GB" sz="1800" spc="-1" strike="noStrike">
+              <a:latin typeface="Arial"/>
+            </a:endParaRPr>
+          </a:p>
+          <a:p>
+            <a:pPr lvl="2" marL="1296000" indent="-288000" algn="ctr">
+              <a:spcBef>
+                <a:spcPts val="850"/>
+              </a:spcBef>
+              <a:buClr>
+                <a:srgbClr val="000000"/>
+              </a:buClr>
+              <a:buSzPct val="45000"/>
+              <a:buFont typeface="Wingdings" charset="2"/>
+              <a:buChar char=""/>
+            </a:pPr>
+            <a:r>
+              <a:rPr b="0" lang="en-GB" sz="1800" spc="-1" strike="noStrike">
+                <a:latin typeface="Arial"/>
+              </a:rPr>
+              <a:t>Third Outline Level</a:t>
+            </a:r>
+            <a:endParaRPr b="0" lang="en-GB" sz="1800" spc="-1" strike="noStrike">
+              <a:latin typeface="Arial"/>
+            </a:endParaRPr>
+          </a:p>
+          <a:p>
+            <a:pPr lvl="3" marL="1728000" indent="-216000" algn="ctr">
+              <a:spcBef>
+                <a:spcPts val="567"/>
+              </a:spcBef>
+              <a:buClr>
+                <a:srgbClr val="000000"/>
+              </a:buClr>
+              <a:buSzPct val="75000"/>
+              <a:buFont typeface="Symbol" charset="2"/>
+              <a:buChar char=""/>
+            </a:pPr>
+            <a:r>
+              <a:rPr b="0" lang="en-GB" sz="1800" spc="-1" strike="noStrike">
+                <a:latin typeface="Arial"/>
+              </a:rPr>
+              <a:t>Fourth Outline Level</a:t>
+            </a:r>
+            <a:endParaRPr b="0" lang="en-GB" sz="1800" spc="-1" strike="noStrike">
+              <a:latin typeface="Arial"/>
+            </a:endParaRPr>
+          </a:p>
+          <a:p>
+            <a:pPr lvl="4" marL="2160000" indent="-216000" algn="ctr">
+              <a:spcBef>
+                <a:spcPts val="283"/>
+              </a:spcBef>
+              <a:buClr>
+                <a:srgbClr val="000000"/>
+              </a:buClr>
+              <a:buSzPct val="45000"/>
+              <a:buFont typeface="Wingdings" charset="2"/>
+              <a:buChar char=""/>
+            </a:pPr>
+            <a:r>
+              <a:rPr b="0" lang="en-GB" sz="1800" spc="-1" strike="noStrike">
+                <a:latin typeface="Arial"/>
+              </a:rPr>
+              <a:t>Fifth Outline Level</a:t>
+            </a:r>
+            <a:endParaRPr b="0" lang="en-GB" sz="1800" spc="-1" strike="noStrike">
+              <a:latin typeface="Arial"/>
+            </a:endParaRPr>
+          </a:p>
+          <a:p>
+            <a:pPr lvl="5" marL="2592000" indent="-216000" algn="ctr">
+              <a:spcBef>
+                <a:spcPts val="283"/>
+              </a:spcBef>
+              <a:buClr>
+                <a:srgbClr val="000000"/>
+              </a:buClr>
+              <a:buSzPct val="45000"/>
+              <a:buFont typeface="Wingdings" charset="2"/>
+              <a:buChar char=""/>
+            </a:pPr>
+            <a:r>
+              <a:rPr b="0" lang="en-GB" sz="1800" spc="-1" strike="noStrike">
+                <a:latin typeface="Arial"/>
+              </a:rPr>
+              <a:t>Sixth Outline Level</a:t>
+            </a:r>
+            <a:endParaRPr b="0" lang="en-GB" sz="1800" spc="-1" strike="noStrike">
+              <a:latin typeface="Arial"/>
+            </a:endParaRPr>
+          </a:p>
+          <a:p>
+            <a:pPr lvl="6" marL="3024000" indent="-216000" algn="ctr">
+              <a:spcBef>
+                <a:spcPts val="283"/>
+              </a:spcBef>
+              <a:buClr>
+                <a:srgbClr val="000000"/>
+              </a:buClr>
+              <a:buSzPct val="45000"/>
+              <a:buFont typeface="Wingdings" charset="2"/>
+              <a:buChar char=""/>
+            </a:pPr>
+            <a:r>
+              <a:rPr b="0" lang="en-GB" sz="1800" spc="-1" strike="noStrike">
+                <a:latin typeface="Arial"/>
+              </a:rPr>
+              <a:t>Seventh Outline Level</a:t>
+            </a:r>
+            <a:endParaRPr b="0" lang="en-GB" sz="1800" spc="-1" strike="noStrike">
+              <a:latin typeface="Arial"/>
+            </a:endParaRPr>
+          </a:p>
+        </p:txBody>
+      </p:sp>
+    </p:spTree>
+  </p:cSld>
+  <p:clrMap bg1="lt1" bg2="lt2" tx1="dk1" tx2="dk2" accent1="accent1" accent2="accent2" accent3="accent3" accent4="accent4" accent5="accent5" accent6="accent6" hlink="hlink" folHlink="folHlink"/>
+  <p:sldLayoutIdLst>
+    <p:sldLayoutId id="2147483662" r:id="rId2"/>
+    <p:sldLayoutId id="2147483663" r:id="rId3"/>
+    <p:sldLayoutId id="2147483664" r:id="rId4"/>
+    <p:sldLayoutId id="2147483665" r:id="rId5"/>
+    <p:sldLayoutId id="2147483666" r:id="rId6"/>
+    <p:sldLayoutId id="2147483667" r:id="rId7"/>
+    <p:sldLayoutId id="2147483668" r:id="rId8"/>
+    <p:sldLayoutId id="2147483669" r:id="rId9"/>
+    <p:sldLayoutId id="2147483670" r:id="rId10"/>
+    <p:sldLayoutId id="2147483671" r:id="rId11"/>
+    <p:sldLayoutId id="2147483672" r:id="rId12"/>
+    <p:sldLayoutId id="2147483673" r:id="rId13"/>
   </p:sldLayoutIdLst>
 </p:sldMaster>
 </file>
@@ -1764,14 +3265,14 @@
       </p:grpSpPr>
       <p:sp>
         <p:nvSpPr>
-          <p:cNvPr id="41" name="TextShape 1"/>
-          <p:cNvSpPr txBox="1"/>
+          <p:cNvPr id="76" name="CustomShape 1"/>
+          <p:cNvSpPr/>
           <p:nvPr/>
         </p:nvSpPr>
         <p:spPr>
           <a:xfrm>
             <a:off x="648000" y="1701720"/>
-            <a:ext cx="9071640" cy="1250280"/>
+            <a:ext cx="9071280" cy="1249920"/>
           </a:xfrm>
           <a:prstGeom prst="rect">
             <a:avLst/>
@@ -1781,12 +3282,22 @@
             <a:noFill/>
           </a:ln>
         </p:spPr>
+        <p:style>
+          <a:lnRef idx="0"/>
+          <a:fillRef idx="0"/>
+          <a:effectRef idx="0"/>
+          <a:fontRef idx="minor"/>
+        </p:style>
         <p:txBody>
           <a:bodyPr lIns="0" rIns="0" tIns="0" bIns="0" anchor="ctr">
             <a:noAutofit/>
           </a:bodyPr>
           <a:p>
-            <a:pPr algn="ctr"/>
+            <a:pPr algn="ctr">
+              <a:lnSpc>
+                <a:spcPct val="100000"/>
+              </a:lnSpc>
+            </a:pPr>
             <a:r>
               <a:rPr b="0" lang="en-GB" sz="4400" spc="-1" strike="noStrike">
                 <a:latin typeface="Arial"/>
@@ -1838,14 +3349,14 @@
       </p:grpSpPr>
       <p:sp>
         <p:nvSpPr>
-          <p:cNvPr id="59" name="TextShape 1"/>
-          <p:cNvSpPr txBox="1"/>
+          <p:cNvPr id="94" name="CustomShape 1"/>
+          <p:cNvSpPr/>
           <p:nvPr/>
         </p:nvSpPr>
         <p:spPr>
           <a:xfrm>
             <a:off x="504000" y="226080"/>
-            <a:ext cx="9071640" cy="946440"/>
+            <a:ext cx="9071280" cy="946080"/>
           </a:xfrm>
           <a:prstGeom prst="rect">
             <a:avLst/>
@@ -1855,12 +3366,22 @@
             <a:noFill/>
           </a:ln>
         </p:spPr>
+        <p:style>
+          <a:lnRef idx="0"/>
+          <a:fillRef idx="0"/>
+          <a:effectRef idx="0"/>
+          <a:fontRef idx="minor"/>
+        </p:style>
         <p:txBody>
           <a:bodyPr lIns="0" rIns="0" tIns="0" bIns="0" anchor="ctr">
             <a:noAutofit/>
           </a:bodyPr>
           <a:p>
-            <a:pPr algn="ctr"/>
+            <a:pPr algn="ctr">
+              <a:lnSpc>
+                <a:spcPct val="100000"/>
+              </a:lnSpc>
+            </a:pPr>
             <a:r>
               <a:rPr b="0" lang="en-GB" sz="4400" spc="-1" strike="noStrike">
                 <a:latin typeface="Arial"/>
@@ -1875,7 +3396,7 @@
       </p:sp>
       <p:pic>
         <p:nvPicPr>
-          <p:cNvPr id="60" name="" descr=""/>
+          <p:cNvPr id="95" name="" descr=""/>
           <p:cNvPicPr/>
           <p:nvPr/>
         </p:nvPicPr>
@@ -1886,7 +3407,7 @@
         <p:spPr>
           <a:xfrm>
             <a:off x="4824000" y="1224000"/>
-            <a:ext cx="4979160" cy="3288240"/>
+            <a:ext cx="4978800" cy="3287880"/>
           </a:xfrm>
           <a:prstGeom prst="rect">
             <a:avLst/>
@@ -1898,14 +3419,14 @@
       </p:pic>
       <p:sp>
         <p:nvSpPr>
-          <p:cNvPr id="61" name="TextShape 2"/>
-          <p:cNvSpPr txBox="1"/>
+          <p:cNvPr id="96" name="CustomShape 2"/>
+          <p:cNvSpPr/>
           <p:nvPr/>
         </p:nvSpPr>
         <p:spPr>
           <a:xfrm>
             <a:off x="360000" y="1368000"/>
-            <a:ext cx="3528000" cy="1370160"/>
+            <a:ext cx="3527640" cy="1369800"/>
           </a:xfrm>
           <a:prstGeom prst="rect">
             <a:avLst/>
@@ -1915,11 +3436,22 @@
             <a:noFill/>
           </a:ln>
         </p:spPr>
+        <p:style>
+          <a:lnRef idx="0"/>
+          <a:fillRef idx="0"/>
+          <a:effectRef idx="0"/>
+          <a:fontRef idx="minor"/>
+        </p:style>
         <p:txBody>
           <a:bodyPr lIns="90000" rIns="90000" tIns="45000" bIns="45000">
             <a:noAutofit/>
           </a:bodyPr>
           <a:p>
+            <a:pPr>
+              <a:lnSpc>
+                <a:spcPct val="100000"/>
+              </a:lnSpc>
+            </a:pPr>
             <a:r>
               <a:rPr b="0" lang="en-GB" sz="1800" spc="-1" strike="noStrike">
                 <a:latin typeface="Arial"/>
@@ -1964,14 +3496,14 @@
       </p:grpSpPr>
       <p:sp>
         <p:nvSpPr>
-          <p:cNvPr id="62" name="TextShape 1"/>
-          <p:cNvSpPr txBox="1"/>
+          <p:cNvPr id="97" name="CustomShape 1"/>
+          <p:cNvSpPr/>
           <p:nvPr/>
         </p:nvSpPr>
         <p:spPr>
           <a:xfrm>
             <a:off x="504000" y="226080"/>
-            <a:ext cx="9071640" cy="946440"/>
+            <a:ext cx="9071280" cy="946080"/>
           </a:xfrm>
           <a:prstGeom prst="rect">
             <a:avLst/>
@@ -1981,12 +3513,22 @@
             <a:noFill/>
           </a:ln>
         </p:spPr>
+        <p:style>
+          <a:lnRef idx="0"/>
+          <a:fillRef idx="0"/>
+          <a:effectRef idx="0"/>
+          <a:fontRef idx="minor"/>
+        </p:style>
         <p:txBody>
           <a:bodyPr lIns="0" rIns="0" tIns="0" bIns="0" anchor="ctr">
             <a:noAutofit/>
           </a:bodyPr>
           <a:p>
-            <a:pPr algn="ctr"/>
+            <a:pPr algn="ctr">
+              <a:lnSpc>
+                <a:spcPct val="100000"/>
+              </a:lnSpc>
+            </a:pPr>
             <a:r>
               <a:rPr b="0" lang="en-GB" sz="4400" spc="-1" strike="noStrike">
                 <a:latin typeface="Arial"/>
@@ -2001,7 +3543,7 @@
       </p:sp>
       <p:pic>
         <p:nvPicPr>
-          <p:cNvPr id="63" name="" descr=""/>
+          <p:cNvPr id="98" name="" descr=""/>
           <p:cNvPicPr/>
           <p:nvPr/>
         </p:nvPicPr>
@@ -2012,7 +3554,7 @@
         <p:spPr>
           <a:xfrm>
             <a:off x="4968000" y="1326600"/>
-            <a:ext cx="4932360" cy="3288240"/>
+            <a:ext cx="4932000" cy="3287880"/>
           </a:xfrm>
           <a:prstGeom prst="rect">
             <a:avLst/>
@@ -2024,14 +3566,14 @@
       </p:pic>
       <p:sp>
         <p:nvSpPr>
-          <p:cNvPr id="64" name="TextShape 2"/>
-          <p:cNvSpPr txBox="1"/>
+          <p:cNvPr id="99" name="CustomShape 2"/>
+          <p:cNvSpPr/>
           <p:nvPr/>
         </p:nvSpPr>
         <p:spPr>
           <a:xfrm>
             <a:off x="144000" y="1224000"/>
-            <a:ext cx="3816000" cy="3161880"/>
+            <a:ext cx="3815640" cy="3161520"/>
           </a:xfrm>
           <a:prstGeom prst="rect">
             <a:avLst/>
@@ -2041,16 +3583,32 @@
             <a:noFill/>
           </a:ln>
         </p:spPr>
+        <p:style>
+          <a:lnRef idx="0"/>
+          <a:fillRef idx="0"/>
+          <a:effectRef idx="0"/>
+          <a:fontRef idx="minor"/>
+        </p:style>
         <p:txBody>
           <a:bodyPr lIns="90000" rIns="90000" tIns="45000" bIns="45000">
             <a:noAutofit/>
           </a:bodyPr>
           <a:p>
+            <a:pPr>
+              <a:lnSpc>
+                <a:spcPct val="100000"/>
+              </a:lnSpc>
+            </a:pPr>
             <a:endParaRPr b="0" lang="en-GB" sz="1800" spc="-1" strike="noStrike">
               <a:latin typeface="Arial"/>
             </a:endParaRPr>
           </a:p>
           <a:p>
+            <a:pPr>
+              <a:lnSpc>
+                <a:spcPct val="100000"/>
+              </a:lnSpc>
+            </a:pPr>
             <a:r>
               <a:rPr b="0" lang="en-GB" sz="1800" spc="-1" strike="noStrike">
                 <a:latin typeface="Arial"/>
@@ -2095,14 +3653,14 @@
       </p:grpSpPr>
       <p:sp>
         <p:nvSpPr>
-          <p:cNvPr id="65" name="TextShape 1"/>
-          <p:cNvSpPr txBox="1"/>
+          <p:cNvPr id="100" name="CustomShape 1"/>
+          <p:cNvSpPr/>
           <p:nvPr/>
         </p:nvSpPr>
         <p:spPr>
           <a:xfrm>
             <a:off x="504000" y="226080"/>
-            <a:ext cx="9071640" cy="946440"/>
+            <a:ext cx="9071280" cy="946080"/>
           </a:xfrm>
           <a:prstGeom prst="rect">
             <a:avLst/>
@@ -2112,12 +3670,21 @@
             <a:noFill/>
           </a:ln>
         </p:spPr>
+        <p:style>
+          <a:lnRef idx="0"/>
+          <a:fillRef idx="0"/>
+          <a:effectRef idx="0"/>
+          <a:fontRef idx="minor"/>
+        </p:style>
         <p:txBody>
           <a:bodyPr lIns="0" rIns="0" tIns="0" bIns="0" anchor="ctr">
             <a:noAutofit/>
           </a:bodyPr>
           <a:p>
-            <a:pPr marL="432000" indent="-324000" algn="ctr">
+            <a:pPr marL="432000" indent="-323640" algn="ctr">
+              <a:lnSpc>
+                <a:spcPct val="100000"/>
+              </a:lnSpc>
               <a:spcBef>
                 <a:spcPts val="1417"/>
               </a:spcBef>
@@ -2142,14 +3709,14 @@
       </p:sp>
       <p:sp>
         <p:nvSpPr>
-          <p:cNvPr id="66" name="TextShape 2"/>
-          <p:cNvSpPr txBox="1"/>
+          <p:cNvPr id="101" name="CustomShape 2"/>
+          <p:cNvSpPr/>
           <p:nvPr/>
         </p:nvSpPr>
         <p:spPr>
           <a:xfrm>
             <a:off x="504000" y="1326600"/>
-            <a:ext cx="9071640" cy="3288240"/>
+            <a:ext cx="9071280" cy="3287880"/>
           </a:xfrm>
           <a:prstGeom prst="rect">
             <a:avLst/>
@@ -2159,12 +3726,21 @@
             <a:noFill/>
           </a:ln>
         </p:spPr>
+        <p:style>
+          <a:lnRef idx="0"/>
+          <a:fillRef idx="0"/>
+          <a:effectRef idx="0"/>
+          <a:fontRef idx="minor"/>
+        </p:style>
         <p:txBody>
           <a:bodyPr lIns="0" rIns="0" tIns="0" bIns="0">
-            <a:normAutofit fontScale="85000"/>
-          </a:bodyPr>
-          <a:p>
-            <a:pPr marL="432000" indent="-324000">
+            <a:normAutofit fontScale="84000"/>
+          </a:bodyPr>
+          <a:p>
+            <a:pPr marL="432000" indent="-323640">
+              <a:lnSpc>
+                <a:spcPct val="100000"/>
+              </a:lnSpc>
               <a:spcBef>
                 <a:spcPts val="1417"/>
               </a:spcBef>
@@ -2219,14 +3795,14 @@
       </p:grpSpPr>
       <p:sp>
         <p:nvSpPr>
-          <p:cNvPr id="67" name="TextShape 1"/>
-          <p:cNvSpPr txBox="1"/>
+          <p:cNvPr id="102" name="CustomShape 1"/>
+          <p:cNvSpPr/>
           <p:nvPr/>
         </p:nvSpPr>
         <p:spPr>
           <a:xfrm>
             <a:off x="504000" y="226080"/>
-            <a:ext cx="9071640" cy="946440"/>
+            <a:ext cx="9071280" cy="946080"/>
           </a:xfrm>
           <a:prstGeom prst="rect">
             <a:avLst/>
@@ -2236,12 +3812,21 @@
             <a:noFill/>
           </a:ln>
         </p:spPr>
+        <p:style>
+          <a:lnRef idx="0"/>
+          <a:fillRef idx="0"/>
+          <a:effectRef idx="0"/>
+          <a:fontRef idx="minor"/>
+        </p:style>
         <p:txBody>
           <a:bodyPr lIns="0" rIns="0" tIns="0" bIns="0" anchor="ctr">
             <a:noAutofit/>
           </a:bodyPr>
           <a:p>
-            <a:pPr marL="432000" indent="-324000" algn="ctr">
+            <a:pPr marL="432000" indent="-323640" algn="ctr">
+              <a:lnSpc>
+                <a:spcPct val="100000"/>
+              </a:lnSpc>
               <a:spcBef>
                 <a:spcPts val="1417"/>
               </a:spcBef>
@@ -2266,14 +3851,14 @@
       </p:sp>
       <p:sp>
         <p:nvSpPr>
-          <p:cNvPr id="68" name="TextShape 2"/>
-          <p:cNvSpPr txBox="1"/>
+          <p:cNvPr id="103" name="CustomShape 2"/>
+          <p:cNvSpPr/>
           <p:nvPr/>
         </p:nvSpPr>
         <p:spPr>
           <a:xfrm>
             <a:off x="504000" y="1326600"/>
-            <a:ext cx="9071640" cy="3288240"/>
+            <a:ext cx="9071280" cy="3287880"/>
           </a:xfrm>
           <a:prstGeom prst="rect">
             <a:avLst/>
@@ -2283,12 +3868,21 @@
             <a:noFill/>
           </a:ln>
         </p:spPr>
+        <p:style>
+          <a:lnRef idx="0"/>
+          <a:fillRef idx="0"/>
+          <a:effectRef idx="0"/>
+          <a:fontRef idx="minor"/>
+        </p:style>
         <p:txBody>
           <a:bodyPr lIns="0" rIns="0" tIns="0" bIns="0">
             <a:normAutofit fontScale="47000"/>
           </a:bodyPr>
           <a:p>
-            <a:pPr marL="432000" indent="-324000">
+            <a:pPr marL="432000" indent="-323640">
+              <a:lnSpc>
+                <a:spcPct val="100000"/>
+              </a:lnSpc>
               <a:spcBef>
                 <a:spcPts val="1417"/>
               </a:spcBef>
@@ -2310,23 +3904,23 @@
             </a:endParaRPr>
           </a:p>
           <a:p>
-            <a:pPr marL="432000" indent="-324000">
+            <a:pPr>
+              <a:lnSpc>
+                <a:spcPct val="100000"/>
+              </a:lnSpc>
               <a:spcBef>
                 <a:spcPts val="1417"/>
               </a:spcBef>
-              <a:buClr>
-                <a:srgbClr val="000000"/>
-              </a:buClr>
-              <a:buSzPct val="45000"/>
-              <a:buFont typeface="Wingdings" charset="2"/>
-              <a:buChar char=""/>
-            </a:pPr>
-            <a:endParaRPr b="0" lang="en-GB" sz="3200" spc="-1" strike="noStrike">
-              <a:latin typeface="Arial"/>
-            </a:endParaRPr>
-          </a:p>
-          <a:p>
-            <a:pPr marL="432000" indent="-324000">
+            </a:pPr>
+            <a:endParaRPr b="0" lang="en-GB" sz="3200" spc="-1" strike="noStrike">
+              <a:latin typeface="Arial"/>
+            </a:endParaRPr>
+          </a:p>
+          <a:p>
+            <a:pPr marL="432000" indent="-323640">
+              <a:lnSpc>
+                <a:spcPct val="100000"/>
+              </a:lnSpc>
               <a:spcBef>
                 <a:spcPts val="1417"/>
               </a:spcBef>
@@ -2381,14 +3975,14 @@
       </p:grpSpPr>
       <p:sp>
         <p:nvSpPr>
-          <p:cNvPr id="69" name="TextShape 1"/>
-          <p:cNvSpPr txBox="1"/>
+          <p:cNvPr id="104" name="CustomShape 1"/>
+          <p:cNvSpPr/>
           <p:nvPr/>
         </p:nvSpPr>
         <p:spPr>
           <a:xfrm>
             <a:off x="504000" y="226080"/>
-            <a:ext cx="9071640" cy="946440"/>
+            <a:ext cx="9071280" cy="946080"/>
           </a:xfrm>
           <a:prstGeom prst="rect">
             <a:avLst/>
@@ -2398,12 +3992,21 @@
             <a:noFill/>
           </a:ln>
         </p:spPr>
+        <p:style>
+          <a:lnRef idx="0"/>
+          <a:fillRef idx="0"/>
+          <a:effectRef idx="0"/>
+          <a:fontRef idx="minor"/>
+        </p:style>
         <p:txBody>
           <a:bodyPr lIns="0" rIns="0" tIns="0" bIns="0" anchor="ctr">
             <a:noAutofit/>
           </a:bodyPr>
           <a:p>
-            <a:pPr marL="432000" indent="-324000" algn="ctr">
+            <a:pPr marL="432000" indent="-323640" algn="ctr">
+              <a:lnSpc>
+                <a:spcPct val="100000"/>
+              </a:lnSpc>
               <a:spcBef>
                 <a:spcPts val="1417"/>
               </a:spcBef>
@@ -2428,14 +4031,14 @@
       </p:sp>
       <p:sp>
         <p:nvSpPr>
-          <p:cNvPr id="70" name="TextShape 2"/>
-          <p:cNvSpPr txBox="1"/>
+          <p:cNvPr id="105" name="CustomShape 2"/>
+          <p:cNvSpPr/>
           <p:nvPr/>
         </p:nvSpPr>
         <p:spPr>
           <a:xfrm>
             <a:off x="504000" y="1326600"/>
-            <a:ext cx="9071640" cy="3288240"/>
+            <a:ext cx="9071280" cy="3287880"/>
           </a:xfrm>
           <a:prstGeom prst="rect">
             <a:avLst/>
@@ -2445,12 +4048,21 @@
             <a:noFill/>
           </a:ln>
         </p:spPr>
+        <p:style>
+          <a:lnRef idx="0"/>
+          <a:fillRef idx="0"/>
+          <a:effectRef idx="0"/>
+          <a:fontRef idx="minor"/>
+        </p:style>
         <p:txBody>
           <a:bodyPr lIns="0" rIns="0" tIns="0" bIns="0">
             <a:normAutofit/>
           </a:bodyPr>
           <a:p>
-            <a:pPr marL="432000" indent="-324000">
+            <a:pPr marL="432000" indent="-323640">
+              <a:lnSpc>
+                <a:spcPct val="100000"/>
+              </a:lnSpc>
               <a:spcBef>
                 <a:spcPts val="1417"/>
               </a:spcBef>
@@ -2472,7 +4084,10 @@
             </a:endParaRPr>
           </a:p>
           <a:p>
-            <a:pPr marL="432000" indent="-324000">
+            <a:pPr marL="432000" indent="-323640">
+              <a:lnSpc>
+                <a:spcPct val="100000"/>
+              </a:lnSpc>
               <a:spcBef>
                 <a:spcPts val="1417"/>
               </a:spcBef>
@@ -2494,7 +4109,10 @@
             </a:endParaRPr>
           </a:p>
           <a:p>
-            <a:pPr marL="432000" indent="-324000">
+            <a:pPr marL="432000" indent="-323640">
+              <a:lnSpc>
+                <a:spcPct val="100000"/>
+              </a:lnSpc>
               <a:spcBef>
                 <a:spcPts val="1417"/>
               </a:spcBef>
@@ -2549,14 +4167,14 @@
       </p:grpSpPr>
       <p:sp>
         <p:nvSpPr>
-          <p:cNvPr id="71" name="TextShape 1"/>
-          <p:cNvSpPr txBox="1"/>
+          <p:cNvPr id="106" name="CustomShape 1"/>
+          <p:cNvSpPr/>
           <p:nvPr/>
         </p:nvSpPr>
         <p:spPr>
           <a:xfrm>
             <a:off x="504000" y="74160"/>
-            <a:ext cx="9071640" cy="1250280"/>
+            <a:ext cx="9071280" cy="1249920"/>
           </a:xfrm>
           <a:prstGeom prst="rect">
             <a:avLst/>
@@ -2566,12 +4184,22 @@
             <a:noFill/>
           </a:ln>
         </p:spPr>
+        <p:style>
+          <a:lnRef idx="0"/>
+          <a:fillRef idx="0"/>
+          <a:effectRef idx="0"/>
+          <a:fontRef idx="minor"/>
+        </p:style>
         <p:txBody>
           <a:bodyPr lIns="0" rIns="0" tIns="0" bIns="0" anchor="ctr">
             <a:noAutofit/>
           </a:bodyPr>
           <a:p>
-            <a:pPr algn="ctr"/>
+            <a:pPr algn="ctr">
+              <a:lnSpc>
+                <a:spcPct val="100000"/>
+              </a:lnSpc>
+            </a:pPr>
             <a:r>
               <a:rPr b="0" lang="en-GB" sz="4400" spc="-1" strike="noStrike">
                 <a:latin typeface="Arial"/>
@@ -2586,14 +4214,14 @@
       </p:sp>
       <p:sp>
         <p:nvSpPr>
-          <p:cNvPr id="72" name="TextShape 2"/>
-          <p:cNvSpPr txBox="1"/>
+          <p:cNvPr id="107" name="CustomShape 2"/>
+          <p:cNvSpPr/>
           <p:nvPr/>
         </p:nvSpPr>
         <p:spPr>
           <a:xfrm>
             <a:off x="504000" y="1326600"/>
-            <a:ext cx="9071640" cy="3288240"/>
+            <a:ext cx="9071280" cy="3287880"/>
           </a:xfrm>
           <a:prstGeom prst="rect">
             <a:avLst/>
@@ -2603,12 +4231,21 @@
             <a:noFill/>
           </a:ln>
         </p:spPr>
+        <p:style>
+          <a:lnRef idx="0"/>
+          <a:fillRef idx="0"/>
+          <a:effectRef idx="0"/>
+          <a:fontRef idx="minor"/>
+        </p:style>
         <p:txBody>
           <a:bodyPr lIns="0" rIns="0" tIns="0" bIns="0">
             <a:normAutofit fontScale="73000"/>
           </a:bodyPr>
           <a:p>
-            <a:pPr marL="432000" indent="-324000">
+            <a:pPr marL="432000" indent="-323640">
+              <a:lnSpc>
+                <a:spcPct val="100000"/>
+              </a:lnSpc>
               <a:spcBef>
                 <a:spcPts val="1417"/>
               </a:spcBef>
@@ -2628,14 +4265,17 @@
               <a:rPr b="0" lang="en-GB" sz="3200" spc="-1" strike="noStrike">
                 <a:latin typeface="Arial"/>
               </a:rPr>
-              <a:t>Yes, the performance of a country in winter olympics is highly correlated to that in summer olympics</a:t>
-            </a:r>
-            <a:endParaRPr b="0" lang="en-GB" sz="3200" spc="-1" strike="noStrike">
-              <a:latin typeface="Arial"/>
-            </a:endParaRPr>
-          </a:p>
-          <a:p>
-            <a:pPr marL="432000" indent="-324000">
+              <a:t>Yes, the performance of a country in winter Olympics is highly correlated to that in summer Olympics</a:t>
+            </a:r>
+            <a:endParaRPr b="0" lang="en-GB" sz="3200" spc="-1" strike="noStrike">
+              <a:latin typeface="Arial"/>
+            </a:endParaRPr>
+          </a:p>
+          <a:p>
+            <a:pPr marL="432000" indent="-323640">
+              <a:lnSpc>
+                <a:spcPct val="100000"/>
+              </a:lnSpc>
               <a:spcBef>
                 <a:spcPts val="1417"/>
               </a:spcBef>
@@ -2662,7 +4302,10 @@
             </a:endParaRPr>
           </a:p>
           <a:p>
-            <a:pPr marL="432000" indent="-324000">
+            <a:pPr marL="432000" indent="-323640">
+              <a:lnSpc>
+                <a:spcPct val="100000"/>
+              </a:lnSpc>
               <a:spcBef>
                 <a:spcPts val="1417"/>
               </a:spcBef>
@@ -2676,13 +4319,172 @@
               <a:rPr b="0" lang="en-GB" sz="3200" spc="-1" strike="noStrike">
                 <a:latin typeface="Arial"/>
               </a:rPr>
-              <a:t>  </a:t>
+              <a:t> </a:t>
             </a:r>
             <a:r>
               <a:rPr b="0" lang="en-GB" sz="3200" spc="-1" strike="noStrike">
                 <a:latin typeface="Arial"/>
               </a:rPr>
-              <a:t>The male:female ratio has decreased from 1896 t o2016</a:t>
+              <a:t>The male:female ratio has decreased from 1896 t o 2016</a:t>
+            </a:r>
+            <a:endParaRPr b="0" lang="en-GB" sz="3200" spc="-1" strike="noStrike">
+              <a:latin typeface="Arial"/>
+            </a:endParaRPr>
+          </a:p>
+        </p:txBody>
+      </p:sp>
+    </p:spTree>
+  </p:cSld>
+  <mc:AlternateContent>
+    <mc:Choice Requires="p14">
+      <p:transition spd="slow" p14:dur="2000"/>
+    </mc:Choice>
+    <mc:Fallback>
+      <p:transition spd="slow"/>
+    </mc:Fallback>
+  </mc:AlternateContent>
+</p:sld>
+</file>
+
+<file path=ppt/slides/slide16.xml><?xml version="1.0" encoding="utf-8"?>
+<p:sld xmlns:a="http://schemas.openxmlformats.org/drawingml/2006/main" xmlns:p="http://schemas.openxmlformats.org/presentationml/2006/main" xmlns:r="http://schemas.openxmlformats.org/officeDocument/2006/relationships" xmlns:p14="http://schemas.microsoft.com/office/powerpoint/2010/main" xmlns:p15="http://schemas.microsoft.com/office/powerpoint/2012/main" xmlns:mc="http://schemas.openxmlformats.org/markup-compatibility/2006">
+  <p:cSld>
+    <p:spTree>
+      <p:nvGrpSpPr>
+        <p:cNvPr id="1" name=""/>
+        <p:cNvGrpSpPr/>
+        <p:nvPr/>
+      </p:nvGrpSpPr>
+      <p:grpSpPr>
+        <a:xfrm>
+          <a:off x="0" y="0"/>
+          <a:ext cx="0" cy="0"/>
+          <a:chOff x="0" y="0"/>
+          <a:chExt cx="0" cy="0"/>
+        </a:xfrm>
+      </p:grpSpPr>
+      <p:sp>
+        <p:nvSpPr>
+          <p:cNvPr id="108" name="CustomShape 1"/>
+          <p:cNvSpPr/>
+          <p:nvPr/>
+        </p:nvSpPr>
+        <p:spPr>
+          <a:xfrm>
+            <a:off x="504000" y="226080"/>
+            <a:ext cx="9071280" cy="946080"/>
+          </a:xfrm>
+          <a:prstGeom prst="rect">
+            <a:avLst/>
+          </a:prstGeom>
+          <a:noFill/>
+          <a:ln>
+            <a:noFill/>
+          </a:ln>
+        </p:spPr>
+        <p:style>
+          <a:lnRef idx="0"/>
+          <a:fillRef idx="0"/>
+          <a:effectRef idx="0"/>
+          <a:fontRef idx="minor"/>
+        </p:style>
+        <p:txBody>
+          <a:bodyPr lIns="0" rIns="0" tIns="0" bIns="0" anchor="ctr">
+            <a:noAutofit/>
+          </a:bodyPr>
+          <a:p>
+            <a:pPr algn="ctr">
+              <a:lnSpc>
+                <a:spcPct val="100000"/>
+              </a:lnSpc>
+            </a:pPr>
+            <a:r>
+              <a:rPr b="0" lang="en-GB" sz="4400" spc="-1" strike="noStrike">
+                <a:latin typeface="Arial"/>
+              </a:rPr>
+              <a:t>Recommendations</a:t>
+            </a:r>
+            <a:endParaRPr b="0" lang="en-GB" sz="4400" spc="-1" strike="noStrike">
+              <a:latin typeface="Arial"/>
+            </a:endParaRPr>
+          </a:p>
+        </p:txBody>
+      </p:sp>
+      <p:sp>
+        <p:nvSpPr>
+          <p:cNvPr id="109" name="CustomShape 2"/>
+          <p:cNvSpPr/>
+          <p:nvPr/>
+        </p:nvSpPr>
+        <p:spPr>
+          <a:xfrm>
+            <a:off x="504000" y="1326600"/>
+            <a:ext cx="9071280" cy="3287880"/>
+          </a:xfrm>
+          <a:prstGeom prst="rect">
+            <a:avLst/>
+          </a:prstGeom>
+          <a:noFill/>
+          <a:ln>
+            <a:noFill/>
+          </a:ln>
+        </p:spPr>
+        <p:style>
+          <a:lnRef idx="0"/>
+          <a:fillRef idx="0"/>
+          <a:effectRef idx="0"/>
+          <a:fontRef idx="minor"/>
+        </p:style>
+        <p:txBody>
+          <a:bodyPr lIns="0" rIns="0" tIns="0" bIns="0">
+            <a:normAutofit fontScale="78000"/>
+          </a:bodyPr>
+          <a:p>
+            <a:pPr marL="432000" indent="-323640">
+              <a:lnSpc>
+                <a:spcPct val="100000"/>
+              </a:lnSpc>
+              <a:spcBef>
+                <a:spcPts val="1417"/>
+              </a:spcBef>
+              <a:buClr>
+                <a:srgbClr val="000000"/>
+              </a:buClr>
+              <a:buSzPct val="45000"/>
+              <a:buFont typeface="Wingdings" charset="2"/>
+              <a:buChar char=""/>
+            </a:pPr>
+            <a:r>
+              <a:rPr b="0" lang="en-GB" sz="3200" spc="-1" strike="noStrike">
+                <a:latin typeface="Arial"/>
+              </a:rPr>
+              <a:t>The Olympiad Organizing Committee should devote more resource in the weather prediction to help organize the Olympics, as the weather affects the performance of athletes</a:t>
+            </a:r>
+            <a:endParaRPr b="0" lang="en-GB" sz="3200" spc="-1" strike="noStrike">
+              <a:latin typeface="Arial"/>
+            </a:endParaRPr>
+          </a:p>
+          <a:p>
+            <a:pPr marL="432000" indent="-323640">
+              <a:lnSpc>
+                <a:spcPct val="100000"/>
+              </a:lnSpc>
+              <a:spcBef>
+                <a:spcPts val="1417"/>
+              </a:spcBef>
+              <a:buClr>
+                <a:srgbClr val="000000"/>
+              </a:buClr>
+              <a:buSzPct val="45000"/>
+              <a:buFont typeface="Wingdings" charset="2"/>
+              <a:buChar char=""/>
+            </a:pPr>
+            <a:r>
+              <a:rPr b="0" lang="en-GB" sz="3200" spc="-1" strike="noStrike">
+                <a:latin typeface="Arial"/>
+                <a:ea typeface="Microsoft YaHei"/>
+              </a:rPr>
+              <a:t>The Olympiad Organizing Committee should advocate the equality between male and female and keep encouraging more female to join the Olympics</a:t>
             </a:r>
             <a:endParaRPr b="0" lang="en-GB" sz="3200" spc="-1" strike="noStrike">
               <a:latin typeface="Arial"/>
@@ -2722,14 +4524,14 @@
       </p:grpSpPr>
       <p:sp>
         <p:nvSpPr>
-          <p:cNvPr id="42" name="TextShape 1"/>
-          <p:cNvSpPr txBox="1"/>
+          <p:cNvPr id="77" name="CustomShape 1"/>
+          <p:cNvSpPr/>
           <p:nvPr/>
         </p:nvSpPr>
         <p:spPr>
           <a:xfrm>
             <a:off x="504000" y="226080"/>
-            <a:ext cx="9071640" cy="946440"/>
+            <a:ext cx="9071280" cy="946080"/>
           </a:xfrm>
           <a:prstGeom prst="rect">
             <a:avLst/>
@@ -2739,12 +4541,22 @@
             <a:noFill/>
           </a:ln>
         </p:spPr>
+        <p:style>
+          <a:lnRef idx="0"/>
+          <a:fillRef idx="0"/>
+          <a:effectRef idx="0"/>
+          <a:fontRef idx="minor"/>
+        </p:style>
         <p:txBody>
           <a:bodyPr lIns="0" rIns="0" tIns="0" bIns="0" anchor="ctr">
             <a:noAutofit/>
           </a:bodyPr>
           <a:p>
-            <a:pPr algn="ctr"/>
+            <a:pPr algn="ctr">
+              <a:lnSpc>
+                <a:spcPct val="100000"/>
+              </a:lnSpc>
+            </a:pPr>
             <a:r>
               <a:rPr b="0" lang="en-GB" sz="4400" spc="-1" strike="noStrike">
                 <a:latin typeface="Arial"/>
@@ -2759,14 +4571,14 @@
       </p:sp>
       <p:sp>
         <p:nvSpPr>
-          <p:cNvPr id="43" name="TextShape 2"/>
-          <p:cNvSpPr txBox="1"/>
+          <p:cNvPr id="78" name="CustomShape 2"/>
+          <p:cNvSpPr/>
           <p:nvPr/>
         </p:nvSpPr>
         <p:spPr>
           <a:xfrm>
             <a:off x="504000" y="1326600"/>
-            <a:ext cx="9071640" cy="3288240"/>
+            <a:ext cx="9071280" cy="3287880"/>
           </a:xfrm>
           <a:prstGeom prst="rect">
             <a:avLst/>
@@ -2776,12 +4588,21 @@
             <a:noFill/>
           </a:ln>
         </p:spPr>
+        <p:style>
+          <a:lnRef idx="0"/>
+          <a:fillRef idx="0"/>
+          <a:effectRef idx="0"/>
+          <a:fontRef idx="minor"/>
+        </p:style>
         <p:txBody>
           <a:bodyPr lIns="0" rIns="0" tIns="0" bIns="0">
             <a:normAutofit/>
           </a:bodyPr>
           <a:p>
-            <a:pPr marL="432000" indent="-324000">
+            <a:pPr marL="432000" indent="-323640">
+              <a:lnSpc>
+                <a:spcPct val="100000"/>
+              </a:lnSpc>
               <a:spcBef>
                 <a:spcPts val="1417"/>
               </a:spcBef>
@@ -2803,7 +4624,10 @@
             </a:endParaRPr>
           </a:p>
           <a:p>
-            <a:pPr marL="432000" indent="-324000">
+            <a:pPr marL="432000" indent="-323640">
+              <a:lnSpc>
+                <a:spcPct val="100000"/>
+              </a:lnSpc>
               <a:spcBef>
                 <a:spcPts val="1417"/>
               </a:spcBef>
@@ -2825,7 +4649,10 @@
             </a:endParaRPr>
           </a:p>
           <a:p>
-            <a:pPr marL="432000" indent="-324000">
+            <a:pPr marL="432000" indent="-323640">
+              <a:lnSpc>
+                <a:spcPct val="100000"/>
+              </a:lnSpc>
               <a:spcBef>
                 <a:spcPts val="1417"/>
               </a:spcBef>
@@ -2847,7 +4674,10 @@
             </a:endParaRPr>
           </a:p>
           <a:p>
-            <a:pPr marL="432000" indent="-324000">
+            <a:pPr marL="432000" indent="-323640">
+              <a:lnSpc>
+                <a:spcPct val="100000"/>
+              </a:lnSpc>
               <a:spcBef>
                 <a:spcPts val="1417"/>
               </a:spcBef>
@@ -2869,7 +4699,10 @@
             </a:endParaRPr>
           </a:p>
           <a:p>
-            <a:pPr marL="432000" indent="-324000">
+            <a:pPr marL="432000" indent="-323640">
+              <a:lnSpc>
+                <a:spcPct val="100000"/>
+              </a:lnSpc>
               <a:spcBef>
                 <a:spcPts val="1417"/>
               </a:spcBef>
@@ -2891,7 +4724,10 @@
             </a:endParaRPr>
           </a:p>
           <a:p>
-            <a:pPr marL="432000" indent="-324000">
+            <a:pPr marL="432000" indent="-323640">
+              <a:lnSpc>
+                <a:spcPct val="100000"/>
+              </a:lnSpc>
               <a:spcBef>
                 <a:spcPts val="1417"/>
               </a:spcBef>
@@ -2946,14 +4782,14 @@
       </p:grpSpPr>
       <p:sp>
         <p:nvSpPr>
-          <p:cNvPr id="44" name="TextShape 1"/>
-          <p:cNvSpPr txBox="1"/>
+          <p:cNvPr id="79" name="CustomShape 1"/>
+          <p:cNvSpPr/>
           <p:nvPr/>
         </p:nvSpPr>
         <p:spPr>
           <a:xfrm>
             <a:off x="504000" y="226080"/>
-            <a:ext cx="9071640" cy="946440"/>
+            <a:ext cx="9071280" cy="946080"/>
           </a:xfrm>
           <a:prstGeom prst="rect">
             <a:avLst/>
@@ -2963,12 +4799,22 @@
             <a:noFill/>
           </a:ln>
         </p:spPr>
+        <p:style>
+          <a:lnRef idx="0"/>
+          <a:fillRef idx="0"/>
+          <a:effectRef idx="0"/>
+          <a:fontRef idx="minor"/>
+        </p:style>
         <p:txBody>
           <a:bodyPr lIns="0" rIns="0" tIns="0" bIns="0" anchor="ctr">
             <a:noAutofit/>
           </a:bodyPr>
           <a:p>
-            <a:pPr algn="ctr"/>
+            <a:pPr algn="ctr">
+              <a:lnSpc>
+                <a:spcPct val="100000"/>
+              </a:lnSpc>
+            </a:pPr>
             <a:r>
               <a:rPr b="0" lang="en-GB" sz="4400" spc="-1" strike="noStrike">
                 <a:latin typeface="Arial"/>
@@ -2983,14 +4829,14 @@
       </p:sp>
       <p:sp>
         <p:nvSpPr>
-          <p:cNvPr id="45" name="TextShape 2"/>
-          <p:cNvSpPr txBox="1"/>
+          <p:cNvPr id="80" name="CustomShape 2"/>
+          <p:cNvSpPr/>
           <p:nvPr/>
         </p:nvSpPr>
         <p:spPr>
           <a:xfrm>
             <a:off x="504000" y="1326600"/>
-            <a:ext cx="9071640" cy="3288240"/>
+            <a:ext cx="9071280" cy="3287880"/>
           </a:xfrm>
           <a:prstGeom prst="rect">
             <a:avLst/>
@@ -3000,12 +4846,21 @@
             <a:noFill/>
           </a:ln>
         </p:spPr>
+        <p:style>
+          <a:lnRef idx="0"/>
+          <a:fillRef idx="0"/>
+          <a:effectRef idx="0"/>
+          <a:fontRef idx="minor"/>
+        </p:style>
         <p:txBody>
           <a:bodyPr lIns="0" rIns="0" tIns="0" bIns="0">
             <a:normAutofit fontScale="88000"/>
           </a:bodyPr>
           <a:p>
-            <a:pPr marL="432000" indent="-324000">
+            <a:pPr marL="432000" indent="-323640">
+              <a:lnSpc>
+                <a:spcPct val="100000"/>
+              </a:lnSpc>
               <a:spcBef>
                 <a:spcPts val="1417"/>
               </a:spcBef>
@@ -3027,7 +4882,10 @@
             </a:endParaRPr>
           </a:p>
           <a:p>
-            <a:pPr marL="432000" indent="-324000">
+            <a:pPr marL="432000" indent="-323640">
+              <a:lnSpc>
+                <a:spcPct val="100000"/>
+              </a:lnSpc>
               <a:spcBef>
                 <a:spcPts val="1417"/>
               </a:spcBef>
@@ -3049,7 +4907,10 @@
             </a:endParaRPr>
           </a:p>
           <a:p>
-            <a:pPr marL="432000" indent="-324000">
+            <a:pPr marL="432000" indent="-323640">
+              <a:lnSpc>
+                <a:spcPct val="100000"/>
+              </a:lnSpc>
               <a:spcBef>
                 <a:spcPts val="1417"/>
               </a:spcBef>
@@ -3104,14 +4965,14 @@
       </p:grpSpPr>
       <p:sp>
         <p:nvSpPr>
-          <p:cNvPr id="46" name="TextShape 1"/>
-          <p:cNvSpPr txBox="1"/>
+          <p:cNvPr id="81" name="CustomShape 1"/>
+          <p:cNvSpPr/>
           <p:nvPr/>
         </p:nvSpPr>
         <p:spPr>
           <a:xfrm>
             <a:off x="504000" y="226080"/>
-            <a:ext cx="9071640" cy="946440"/>
+            <a:ext cx="9071280" cy="946080"/>
           </a:xfrm>
           <a:prstGeom prst="rect">
             <a:avLst/>
@@ -3121,12 +4982,22 @@
             <a:noFill/>
           </a:ln>
         </p:spPr>
+        <p:style>
+          <a:lnRef idx="0"/>
+          <a:fillRef idx="0"/>
+          <a:effectRef idx="0"/>
+          <a:fontRef idx="minor"/>
+        </p:style>
         <p:txBody>
           <a:bodyPr lIns="0" rIns="0" tIns="0" bIns="0" anchor="ctr">
             <a:noAutofit/>
           </a:bodyPr>
           <a:p>
-            <a:pPr algn="ctr"/>
+            <a:pPr algn="ctr">
+              <a:lnSpc>
+                <a:spcPct val="100000"/>
+              </a:lnSpc>
+            </a:pPr>
             <a:r>
               <a:rPr b="0" lang="en-GB" sz="4400" spc="-1" strike="noStrike">
                 <a:latin typeface="Arial"/>
@@ -3141,14 +5012,14 @@
       </p:sp>
       <p:sp>
         <p:nvSpPr>
-          <p:cNvPr id="47" name="TextShape 2"/>
-          <p:cNvSpPr txBox="1"/>
+          <p:cNvPr id="82" name="CustomShape 2"/>
+          <p:cNvSpPr/>
           <p:nvPr/>
         </p:nvSpPr>
         <p:spPr>
           <a:xfrm>
             <a:off x="504000" y="1326600"/>
-            <a:ext cx="9071640" cy="3288240"/>
+            <a:ext cx="9071280" cy="3287880"/>
           </a:xfrm>
           <a:prstGeom prst="rect">
             <a:avLst/>
@@ -3158,12 +5029,21 @@
             <a:noFill/>
           </a:ln>
         </p:spPr>
+        <p:style>
+          <a:lnRef idx="0"/>
+          <a:fillRef idx="0"/>
+          <a:effectRef idx="0"/>
+          <a:fontRef idx="minor"/>
+        </p:style>
         <p:txBody>
           <a:bodyPr lIns="0" rIns="0" tIns="0" bIns="0">
             <a:normAutofit/>
           </a:bodyPr>
           <a:p>
-            <a:pPr marL="432000" indent="-324000">
+            <a:pPr marL="432000" indent="-323640">
+              <a:lnSpc>
+                <a:spcPct val="100000"/>
+              </a:lnSpc>
               <a:spcBef>
                 <a:spcPts val="1417"/>
               </a:spcBef>
@@ -3185,7 +5065,10 @@
             </a:endParaRPr>
           </a:p>
           <a:p>
-            <a:pPr marL="432000" indent="-324000">
+            <a:pPr marL="432000" indent="-323640">
+              <a:lnSpc>
+                <a:spcPct val="100000"/>
+              </a:lnSpc>
               <a:spcBef>
                 <a:spcPts val="1417"/>
               </a:spcBef>
@@ -3207,7 +5090,10 @@
             </a:endParaRPr>
           </a:p>
           <a:p>
-            <a:pPr marL="432000" indent="-324000">
+            <a:pPr marL="432000" indent="-323640">
+              <a:lnSpc>
+                <a:spcPct val="100000"/>
+              </a:lnSpc>
               <a:spcBef>
                 <a:spcPts val="1417"/>
               </a:spcBef>
@@ -3262,14 +5148,14 @@
       </p:grpSpPr>
       <p:sp>
         <p:nvSpPr>
-          <p:cNvPr id="48" name="TextShape 1"/>
-          <p:cNvSpPr txBox="1"/>
+          <p:cNvPr id="83" name="CustomShape 1"/>
+          <p:cNvSpPr/>
           <p:nvPr/>
         </p:nvSpPr>
         <p:spPr>
           <a:xfrm>
             <a:off x="504000" y="226080"/>
-            <a:ext cx="9071640" cy="946440"/>
+            <a:ext cx="9071280" cy="946080"/>
           </a:xfrm>
           <a:prstGeom prst="rect">
             <a:avLst/>
@@ -3279,12 +5165,22 @@
             <a:noFill/>
           </a:ln>
         </p:spPr>
+        <p:style>
+          <a:lnRef idx="0"/>
+          <a:fillRef idx="0"/>
+          <a:effectRef idx="0"/>
+          <a:fontRef idx="minor"/>
+        </p:style>
         <p:txBody>
           <a:bodyPr lIns="0" rIns="0" tIns="0" bIns="0" anchor="ctr">
             <a:noAutofit/>
           </a:bodyPr>
           <a:p>
-            <a:pPr algn="ctr"/>
+            <a:pPr algn="ctr">
+              <a:lnSpc>
+                <a:spcPct val="100000"/>
+              </a:lnSpc>
+            </a:pPr>
             <a:r>
               <a:rPr b="0" lang="en-GB" sz="4400" spc="-1" strike="noStrike">
                 <a:latin typeface="Arial"/>
@@ -3299,14 +5195,14 @@
       </p:sp>
       <p:sp>
         <p:nvSpPr>
-          <p:cNvPr id="49" name="TextShape 2"/>
-          <p:cNvSpPr txBox="1"/>
+          <p:cNvPr id="84" name="CustomShape 2"/>
+          <p:cNvSpPr/>
           <p:nvPr/>
         </p:nvSpPr>
         <p:spPr>
           <a:xfrm>
             <a:off x="504000" y="1326600"/>
-            <a:ext cx="9071640" cy="3288240"/>
+            <a:ext cx="9071280" cy="3287880"/>
           </a:xfrm>
           <a:prstGeom prst="rect">
             <a:avLst/>
@@ -3316,12 +5212,21 @@
             <a:noFill/>
           </a:ln>
         </p:spPr>
+        <p:style>
+          <a:lnRef idx="0"/>
+          <a:fillRef idx="0"/>
+          <a:effectRef idx="0"/>
+          <a:fontRef idx="minor"/>
+        </p:style>
         <p:txBody>
           <a:bodyPr lIns="0" rIns="0" tIns="0" bIns="0">
             <a:normAutofit fontScale="88000"/>
           </a:bodyPr>
           <a:p>
-            <a:pPr marL="432000" indent="-324000">
+            <a:pPr marL="432000" indent="-323640">
+              <a:lnSpc>
+                <a:spcPct val="100000"/>
+              </a:lnSpc>
               <a:spcBef>
                 <a:spcPts val="1417"/>
               </a:spcBef>
@@ -3343,7 +5248,10 @@
             </a:endParaRPr>
           </a:p>
           <a:p>
-            <a:pPr marL="432000" indent="-324000">
+            <a:pPr marL="432000" indent="-323640">
+              <a:lnSpc>
+                <a:spcPct val="100000"/>
+              </a:lnSpc>
               <a:spcBef>
                 <a:spcPts val="1417"/>
               </a:spcBef>
@@ -3365,7 +5273,10 @@
             </a:endParaRPr>
           </a:p>
           <a:p>
-            <a:pPr marL="432000" indent="-324000">
+            <a:pPr marL="432000" indent="-323640">
+              <a:lnSpc>
+                <a:spcPct val="100000"/>
+              </a:lnSpc>
               <a:spcBef>
                 <a:spcPts val="1417"/>
               </a:spcBef>
@@ -3420,14 +5331,14 @@
       </p:grpSpPr>
       <p:sp>
         <p:nvSpPr>
-          <p:cNvPr id="50" name="TextShape 1"/>
-          <p:cNvSpPr txBox="1"/>
+          <p:cNvPr id="85" name="CustomShape 1"/>
+          <p:cNvSpPr/>
           <p:nvPr/>
         </p:nvSpPr>
         <p:spPr>
           <a:xfrm>
             <a:off x="504000" y="226080"/>
-            <a:ext cx="9071640" cy="946440"/>
+            <a:ext cx="9071280" cy="946080"/>
           </a:xfrm>
           <a:prstGeom prst="rect">
             <a:avLst/>
@@ -3437,12 +5348,22 @@
             <a:noFill/>
           </a:ln>
         </p:spPr>
+        <p:style>
+          <a:lnRef idx="0"/>
+          <a:fillRef idx="0"/>
+          <a:effectRef idx="0"/>
+          <a:fontRef idx="minor"/>
+        </p:style>
         <p:txBody>
           <a:bodyPr lIns="0" rIns="0" tIns="0" bIns="0" anchor="ctr">
             <a:noAutofit/>
           </a:bodyPr>
           <a:p>
-            <a:pPr algn="ctr"/>
+            <a:pPr algn="ctr">
+              <a:lnSpc>
+                <a:spcPct val="100000"/>
+              </a:lnSpc>
+            </a:pPr>
             <a:r>
               <a:rPr b="0" lang="en-GB" sz="4400" spc="-1" strike="noStrike">
                 <a:latin typeface="Arial"/>
@@ -3457,14 +5378,14 @@
       </p:sp>
       <p:sp>
         <p:nvSpPr>
-          <p:cNvPr id="51" name="TextShape 2"/>
-          <p:cNvSpPr txBox="1"/>
+          <p:cNvPr id="86" name="CustomShape 2"/>
+          <p:cNvSpPr/>
           <p:nvPr/>
         </p:nvSpPr>
         <p:spPr>
           <a:xfrm>
             <a:off x="504000" y="1326600"/>
-            <a:ext cx="9071640" cy="3288240"/>
+            <a:ext cx="9071280" cy="3287880"/>
           </a:xfrm>
           <a:prstGeom prst="rect">
             <a:avLst/>
@@ -3474,12 +5395,21 @@
             <a:noFill/>
           </a:ln>
         </p:spPr>
+        <p:style>
+          <a:lnRef idx="0"/>
+          <a:fillRef idx="0"/>
+          <a:effectRef idx="0"/>
+          <a:fontRef idx="minor"/>
+        </p:style>
         <p:txBody>
           <a:bodyPr lIns="0" rIns="0" tIns="0" bIns="0">
             <a:normAutofit/>
           </a:bodyPr>
           <a:p>
-            <a:pPr marL="432000" indent="-324000">
+            <a:pPr marL="432000" indent="-323640">
+              <a:lnSpc>
+                <a:spcPct val="100000"/>
+              </a:lnSpc>
               <a:spcBef>
                 <a:spcPts val="1417"/>
               </a:spcBef>
@@ -3501,7 +5431,10 @@
             </a:endParaRPr>
           </a:p>
           <a:p>
-            <a:pPr marL="432000" indent="-324000">
+            <a:pPr marL="432000" indent="-323640">
+              <a:lnSpc>
+                <a:spcPct val="100000"/>
+              </a:lnSpc>
               <a:spcBef>
                 <a:spcPts val="1417"/>
               </a:spcBef>
@@ -3556,14 +5489,14 @@
       </p:grpSpPr>
       <p:sp>
         <p:nvSpPr>
-          <p:cNvPr id="52" name="TextShape 1"/>
-          <p:cNvSpPr txBox="1"/>
+          <p:cNvPr id="87" name="CustomShape 1"/>
+          <p:cNvSpPr/>
           <p:nvPr/>
         </p:nvSpPr>
         <p:spPr>
           <a:xfrm>
             <a:off x="504000" y="226080"/>
-            <a:ext cx="9071640" cy="946440"/>
+            <a:ext cx="9071280" cy="946080"/>
           </a:xfrm>
           <a:prstGeom prst="rect">
             <a:avLst/>
@@ -3573,12 +5506,21 @@
             <a:noFill/>
           </a:ln>
         </p:spPr>
+        <p:style>
+          <a:lnRef idx="0"/>
+          <a:fillRef idx="0"/>
+          <a:effectRef idx="0"/>
+          <a:fontRef idx="minor"/>
+        </p:style>
         <p:txBody>
           <a:bodyPr lIns="0" rIns="0" tIns="0" bIns="0" anchor="ctr">
             <a:noAutofit/>
           </a:bodyPr>
           <a:p>
-            <a:pPr marL="432000" indent="-324000" algn="ctr">
+            <a:pPr marL="432000" indent="-323640" algn="ctr">
+              <a:lnSpc>
+                <a:spcPct val="100000"/>
+              </a:lnSpc>
               <a:spcBef>
                 <a:spcPts val="1417"/>
               </a:spcBef>
@@ -3603,7 +5545,7 @@
       </p:sp>
       <p:pic>
         <p:nvPicPr>
-          <p:cNvPr id="53" name="" descr=""/>
+          <p:cNvPr id="88" name="" descr=""/>
           <p:cNvPicPr/>
           <p:nvPr/>
         </p:nvPicPr>
@@ -3614,7 +5556,7 @@
         <p:spPr>
           <a:xfrm>
             <a:off x="288000" y="936000"/>
-            <a:ext cx="9790920" cy="4590000"/>
+            <a:ext cx="9790560" cy="4589640"/>
           </a:xfrm>
           <a:prstGeom prst="rect">
             <a:avLst/>
@@ -3656,14 +5598,14 @@
       </p:grpSpPr>
       <p:sp>
         <p:nvSpPr>
-          <p:cNvPr id="54" name="TextShape 1"/>
-          <p:cNvSpPr txBox="1"/>
+          <p:cNvPr id="89" name="CustomShape 1"/>
+          <p:cNvSpPr/>
           <p:nvPr/>
         </p:nvSpPr>
         <p:spPr>
           <a:xfrm>
             <a:off x="504000" y="226080"/>
-            <a:ext cx="9071640" cy="946440"/>
+            <a:ext cx="9071280" cy="946080"/>
           </a:xfrm>
           <a:prstGeom prst="rect">
             <a:avLst/>
@@ -3673,12 +5615,22 @@
             <a:noFill/>
           </a:ln>
         </p:spPr>
+        <p:style>
+          <a:lnRef idx="0"/>
+          <a:fillRef idx="0"/>
+          <a:effectRef idx="0"/>
+          <a:fontRef idx="minor"/>
+        </p:style>
         <p:txBody>
           <a:bodyPr lIns="0" rIns="0" tIns="0" bIns="0" anchor="ctr">
             <a:noAutofit/>
           </a:bodyPr>
           <a:p>
-            <a:pPr algn="ctr"/>
+            <a:pPr algn="ctr">
+              <a:lnSpc>
+                <a:spcPct val="100000"/>
+              </a:lnSpc>
+            </a:pPr>
             <a:r>
               <a:rPr b="0" lang="en-GB" sz="4400" spc="-1" strike="noStrike">
                 <a:latin typeface="Arial"/>
@@ -3693,14 +5645,14 @@
       </p:sp>
       <p:sp>
         <p:nvSpPr>
-          <p:cNvPr id="55" name="TextShape 2"/>
-          <p:cNvSpPr txBox="1"/>
+          <p:cNvPr id="90" name="CustomShape 2"/>
+          <p:cNvSpPr/>
           <p:nvPr/>
         </p:nvSpPr>
         <p:spPr>
           <a:xfrm>
             <a:off x="504000" y="1326600"/>
-            <a:ext cx="9071640" cy="3288240"/>
+            <a:ext cx="9071280" cy="3287880"/>
           </a:xfrm>
           <a:prstGeom prst="rect">
             <a:avLst/>
@@ -3710,12 +5662,21 @@
             <a:noFill/>
           </a:ln>
         </p:spPr>
+        <p:style>
+          <a:lnRef idx="0"/>
+          <a:fillRef idx="0"/>
+          <a:effectRef idx="0"/>
+          <a:fontRef idx="minor"/>
+        </p:style>
         <p:txBody>
           <a:bodyPr lIns="0" rIns="0" tIns="0" bIns="0">
             <a:normAutofit fontScale="35000"/>
           </a:bodyPr>
           <a:p>
-            <a:pPr marL="432000" indent="-324000">
+            <a:pPr marL="432000" indent="-323640">
+              <a:lnSpc>
+                <a:spcPct val="100000"/>
+              </a:lnSpc>
               <a:spcBef>
                 <a:spcPts val="1417"/>
               </a:spcBef>
@@ -3737,7 +5698,10 @@
             </a:endParaRPr>
           </a:p>
           <a:p>
-            <a:pPr marL="432000" indent="-324000">
+            <a:pPr marL="432000" indent="-323640">
+              <a:lnSpc>
+                <a:spcPct val="100000"/>
+              </a:lnSpc>
               <a:spcBef>
                 <a:spcPts val="1417"/>
               </a:spcBef>
@@ -3759,7 +5723,10 @@
             </a:endParaRPr>
           </a:p>
           <a:p>
-            <a:pPr marL="432000" indent="-324000">
+            <a:pPr marL="432000" indent="-323640">
+              <a:lnSpc>
+                <a:spcPct val="100000"/>
+              </a:lnSpc>
               <a:spcBef>
                 <a:spcPts val="1417"/>
               </a:spcBef>
@@ -3781,7 +5748,10 @@
             </a:endParaRPr>
           </a:p>
           <a:p>
-            <a:pPr marL="432000" indent="-324000">
+            <a:pPr marL="432000" indent="-323640">
+              <a:lnSpc>
+                <a:spcPct val="100000"/>
+              </a:lnSpc>
               <a:spcBef>
                 <a:spcPts val="1417"/>
               </a:spcBef>
@@ -3836,14 +5806,14 @@
       </p:grpSpPr>
       <p:sp>
         <p:nvSpPr>
-          <p:cNvPr id="56" name="TextShape 1"/>
-          <p:cNvSpPr txBox="1"/>
+          <p:cNvPr id="91" name="CustomShape 1"/>
+          <p:cNvSpPr/>
           <p:nvPr/>
         </p:nvSpPr>
         <p:spPr>
           <a:xfrm>
             <a:off x="504000" y="226080"/>
-            <a:ext cx="9071640" cy="946440"/>
+            <a:ext cx="9071280" cy="946080"/>
           </a:xfrm>
           <a:prstGeom prst="rect">
             <a:avLst/>
@@ -3853,12 +5823,22 @@
             <a:noFill/>
           </a:ln>
         </p:spPr>
+        <p:style>
+          <a:lnRef idx="0"/>
+          <a:fillRef idx="0"/>
+          <a:effectRef idx="0"/>
+          <a:fontRef idx="minor"/>
+        </p:style>
         <p:txBody>
           <a:bodyPr lIns="0" rIns="0" tIns="0" bIns="0" anchor="ctr">
             <a:noAutofit/>
           </a:bodyPr>
           <a:p>
-            <a:pPr algn="ctr"/>
+            <a:pPr algn="ctr">
+              <a:lnSpc>
+                <a:spcPct val="100000"/>
+              </a:lnSpc>
+            </a:pPr>
             <a:r>
               <a:rPr b="0" lang="en-GB" sz="4400" spc="-1" strike="noStrike">
                 <a:latin typeface="Arial"/>
@@ -3873,7 +5853,7 @@
       </p:sp>
       <p:pic>
         <p:nvPicPr>
-          <p:cNvPr id="57" name="" descr=""/>
+          <p:cNvPr id="92" name="" descr=""/>
           <p:cNvPicPr/>
           <p:nvPr/>
         </p:nvPicPr>
@@ -3884,7 +5864,7 @@
         <p:spPr>
           <a:xfrm>
             <a:off x="4752000" y="1152000"/>
-            <a:ext cx="5020560" cy="3288240"/>
+            <a:ext cx="5020200" cy="3287880"/>
           </a:xfrm>
           <a:prstGeom prst="rect">
             <a:avLst/>
@@ -3896,14 +5876,14 @@
       </p:pic>
       <p:sp>
         <p:nvSpPr>
-          <p:cNvPr id="58" name="TextShape 2"/>
-          <p:cNvSpPr txBox="1"/>
+          <p:cNvPr id="93" name="CustomShape 2"/>
+          <p:cNvSpPr/>
           <p:nvPr/>
         </p:nvSpPr>
         <p:spPr>
           <a:xfrm>
             <a:off x="360000" y="1224000"/>
-            <a:ext cx="4320000" cy="2448000"/>
+            <a:ext cx="4319640" cy="2447640"/>
           </a:xfrm>
           <a:prstGeom prst="rect">
             <a:avLst/>
@@ -3913,11 +5893,22 @@
             <a:noFill/>
           </a:ln>
         </p:spPr>
+        <p:style>
+          <a:lnRef idx="0"/>
+          <a:fillRef idx="0"/>
+          <a:effectRef idx="0"/>
+          <a:fontRef idx="minor"/>
+        </p:style>
         <p:txBody>
           <a:bodyPr lIns="90000" rIns="90000" tIns="45000" bIns="45000">
             <a:noAutofit/>
           </a:bodyPr>
           <a:p>
+            <a:pPr>
+              <a:lnSpc>
+                <a:spcPct val="100000"/>
+              </a:lnSpc>
+            </a:pPr>
             <a:r>
               <a:rPr b="0" lang="en-GB" sz="1800" spc="-1" strike="noStrike">
                 <a:latin typeface="Arial"/>
@@ -4167,4 +6158,230 @@
     </a:fmtScheme>
   </a:themeElements>
 </a:theme>
+</file>
+
+<file path=ppt/theme/theme2.xml><?xml version="1.0" encoding="utf-8"?>
+<a:theme xmlns:a="http://schemas.openxmlformats.org/drawingml/2006/main" name="Office Theme">
+  <a:themeElements>
+    <a:clrScheme name="Office">
+      <a:dk1>
+        <a:sysClr val="windowText" lastClr="000000"/>
+      </a:dk1>
+      <a:lt1>
+        <a:sysClr val="window" lastClr="FFFFFF"/>
+      </a:lt1>
+      <a:dk2>
+        <a:srgbClr val="1f497d"/>
+      </a:dk2>
+      <a:lt2>
+        <a:srgbClr val="eeece1"/>
+      </a:lt2>
+      <a:accent1>
+        <a:srgbClr val="4f81bd"/>
+      </a:accent1>
+      <a:accent2>
+        <a:srgbClr val="c0504d"/>
+      </a:accent2>
+      <a:accent3>
+        <a:srgbClr val="9bbb59"/>
+      </a:accent3>
+      <a:accent4>
+        <a:srgbClr val="8064a2"/>
+      </a:accent4>
+      <a:accent5>
+        <a:srgbClr val="4bacc6"/>
+      </a:accent5>
+      <a:accent6>
+        <a:srgbClr val="f79646"/>
+      </a:accent6>
+      <a:hlink>
+        <a:srgbClr val="0000ff"/>
+      </a:hlink>
+      <a:folHlink>
+        <a:srgbClr val="800080"/>
+      </a:folHlink>
+    </a:clrScheme>
+    <a:fontScheme name="Office">
+      <a:majorFont>
+        <a:latin typeface="Arial"/>
+        <a:ea typeface="DejaVu Sans"/>
+        <a:cs typeface="DejaVu Sans"/>
+      </a:majorFont>
+      <a:minorFont>
+        <a:latin typeface="Arial"/>
+        <a:ea typeface="DejaVu Sans"/>
+        <a:cs typeface="DejaVu Sans"/>
+      </a:minorFont>
+    </a:fontScheme>
+    <a:fmtScheme name="Office">
+      <a:fillStyleLst>
+        <a:solidFill>
+          <a:schemeClr val="phClr"/>
+        </a:solidFill>
+        <a:gradFill rotWithShape="1">
+          <a:gsLst>
+            <a:gs pos="0">
+              <a:schemeClr val="phClr">
+                <a:tint val="50000"/>
+                <a:satMod val="300000"/>
+              </a:schemeClr>
+            </a:gs>
+            <a:gs pos="35000">
+              <a:schemeClr val="phClr">
+                <a:tint val="37000"/>
+                <a:satMod val="300000"/>
+              </a:schemeClr>
+            </a:gs>
+            <a:gs pos="100000">
+              <a:schemeClr val="phClr">
+                <a:tint val="15000"/>
+                <a:satMod val="350000"/>
+              </a:schemeClr>
+            </a:gs>
+          </a:gsLst>
+          <a:lin ang="16200000" scaled="1"/>
+        </a:gradFill>
+        <a:gradFill rotWithShape="1">
+          <a:gsLst>
+            <a:gs pos="0">
+              <a:schemeClr val="phClr">
+                <a:shade val="51000"/>
+                <a:satMod val="130000"/>
+              </a:schemeClr>
+            </a:gs>
+            <a:gs pos="80000">
+              <a:schemeClr val="phClr">
+                <a:shade val="93000"/>
+                <a:satMod val="130000"/>
+              </a:schemeClr>
+            </a:gs>
+            <a:gs pos="100000">
+              <a:schemeClr val="phClr">
+                <a:shade val="94000"/>
+                <a:satMod val="135000"/>
+              </a:schemeClr>
+            </a:gs>
+          </a:gsLst>
+          <a:lin ang="16200000" scaled="0"/>
+        </a:gradFill>
+      </a:fillStyleLst>
+      <a:lnStyleLst>
+        <a:ln w="9525" cap="flat" cmpd="sng" algn="ctr">
+          <a:solidFill>
+            <a:schemeClr val="phClr">
+              <a:shade val="95000"/>
+              <a:satMod val="105000"/>
+            </a:schemeClr>
+          </a:solidFill>
+          <a:prstDash val="solid"/>
+          <a:miter/>
+        </a:ln>
+        <a:ln w="25400" cap="flat" cmpd="sng" algn="ctr">
+          <a:solidFill>
+            <a:schemeClr val="phClr"/>
+          </a:solidFill>
+          <a:prstDash val="solid"/>
+          <a:miter/>
+        </a:ln>
+        <a:ln w="38100" cap="flat" cmpd="sng" algn="ctr">
+          <a:solidFill>
+            <a:schemeClr val="phClr"/>
+          </a:solidFill>
+          <a:prstDash val="solid"/>
+          <a:miter/>
+        </a:ln>
+      </a:lnStyleLst>
+      <a:effectStyleLst>
+        <a:effectStyle>
+          <a:effectLst>
+            <a:outerShdw blurRad="40000" dist="20000" dir="5400000" rotWithShape="0">
+              <a:srgbClr val="000000">
+                <a:alpha val="38000"/>
+              </a:srgbClr>
+            </a:outerShdw>
+          </a:effectLst>
+        </a:effectStyle>
+        <a:effectStyle>
+          <a:effectLst>
+            <a:outerShdw blurRad="40000" dist="23000" dir="5400000" rotWithShape="0">
+              <a:srgbClr val="000000">
+                <a:alpha val="35000"/>
+              </a:srgbClr>
+            </a:outerShdw>
+          </a:effectLst>
+        </a:effectStyle>
+        <a:effectStyle>
+          <a:effectLst>
+            <a:outerShdw blurRad="40000" dist="23000" dir="5400000" rotWithShape="0">
+              <a:srgbClr val="000000">
+                <a:alpha val="35000"/>
+              </a:srgbClr>
+            </a:outerShdw>
+          </a:effectLst>
+          <a:scene3d>
+            <a:camera prst="orthographicFront">
+              <a:rot lat="0" lon="0" rev="0"/>
+            </a:camera>
+            <a:lightRig rig="threePt" dir="t">
+              <a:rot lat="0" lon="0" rev="1200000"/>
+            </a:lightRig>
+          </a:scene3d>
+          <a:sp3d>
+            <a:bevelT w="63500" h="25400"/>
+          </a:sp3d>
+        </a:effectStyle>
+      </a:effectStyleLst>
+      <a:bgFillStyleLst>
+        <a:solidFill>
+          <a:schemeClr val="phClr"/>
+        </a:solidFill>
+        <a:gradFill rotWithShape="1">
+          <a:gsLst>
+            <a:gs pos="0">
+              <a:schemeClr val="phClr">
+                <a:tint val="40000"/>
+                <a:satMod val="350000"/>
+              </a:schemeClr>
+            </a:gs>
+            <a:gs pos="40000">
+              <a:schemeClr val="phClr">
+                <a:tint val="45000"/>
+                <a:shade val="99000"/>
+                <a:satMod val="350000"/>
+              </a:schemeClr>
+            </a:gs>
+            <a:gs pos="100000">
+              <a:schemeClr val="phClr">
+                <a:shade val="20000"/>
+                <a:satMod val="255000"/>
+              </a:schemeClr>
+            </a:gs>
+          </a:gsLst>
+          <a:path path="circle">
+            <a:fillToRect l="50000" t="-80000" r="50000" b="180000"/>
+          </a:path>
+        </a:gradFill>
+        <a:gradFill rotWithShape="1">
+          <a:gsLst>
+            <a:gs pos="0">
+              <a:schemeClr val="phClr">
+                <a:tint val="80000"/>
+                <a:satMod val="300000"/>
+              </a:schemeClr>
+            </a:gs>
+            <a:gs pos="100000">
+              <a:schemeClr val="phClr">
+                <a:shade val="30000"/>
+                <a:satMod val="200000"/>
+              </a:schemeClr>
+            </a:gs>
+          </a:gsLst>
+          <a:path path="circle">
+            <a:fillToRect l="50000" t="50000" r="50000" b="50000"/>
+          </a:path>
+        </a:gradFill>
+      </a:bgFillStyleLst>
+    </a:fmtScheme>
+  </a:themeElements>
+</a:theme>
 </file>